--- a/VideoTime.pptx
+++ b/VideoTime.pptx
@@ -5,21 +5,20 @@
     <p:sldMasterId id="2147483648" r:id="rId1"/>
   </p:sldMasterIdLst>
   <p:notesMasterIdLst>
-    <p:notesMasterId r:id="rId14"/>
+    <p:notesMasterId r:id="rId13"/>
   </p:notesMasterIdLst>
   <p:sldIdLst>
     <p:sldId id="256" r:id="rId2"/>
     <p:sldId id="257" r:id="rId3"/>
     <p:sldId id="259" r:id="rId4"/>
-    <p:sldId id="258" r:id="rId5"/>
-    <p:sldId id="260" r:id="rId6"/>
-    <p:sldId id="261" r:id="rId7"/>
-    <p:sldId id="262" r:id="rId8"/>
-    <p:sldId id="263" r:id="rId9"/>
-    <p:sldId id="264" r:id="rId10"/>
-    <p:sldId id="265" r:id="rId11"/>
-    <p:sldId id="266" r:id="rId12"/>
-    <p:sldId id="267" r:id="rId13"/>
+    <p:sldId id="260" r:id="rId5"/>
+    <p:sldId id="261" r:id="rId6"/>
+    <p:sldId id="262" r:id="rId7"/>
+    <p:sldId id="263" r:id="rId8"/>
+    <p:sldId id="264" r:id="rId9"/>
+    <p:sldId id="265" r:id="rId10"/>
+    <p:sldId id="266" r:id="rId11"/>
+    <p:sldId id="267" r:id="rId12"/>
   </p:sldIdLst>
   <p:sldSz cx="12192000" cy="6858000"/>
   <p:notesSz cx="6858000" cy="9144000"/>
@@ -208,7 +207,7 @@
           <a:p>
             <a:fld id="{06D5414B-00DC-418B-BF67-CD595E6B0647}" type="datetimeFigureOut">
               <a:rPr lang="ru-RU" smtClean="0"/>
-              <a:t>09.07.2024</a:t>
+              <a:t>13.07.2024</a:t>
             </a:fld>
             <a:endParaRPr lang="ru-RU"/>
           </a:p>
@@ -540,7 +539,7 @@
           <a:p>
             <a:fld id="{D2BFCF20-6A6D-4ECF-8BA5-ADC2D53D1657}" type="slidenum">
               <a:rPr lang="ru-RU" smtClean="0"/>
-              <a:t>6</a:t>
+              <a:t>5</a:t>
             </a:fld>
             <a:endParaRPr lang="ru-RU"/>
           </a:p>
@@ -624,7 +623,7 @@
           <a:p>
             <a:fld id="{D2BFCF20-6A6D-4ECF-8BA5-ADC2D53D1657}" type="slidenum">
               <a:rPr lang="ru-RU" smtClean="0"/>
-              <a:t>7</a:t>
+              <a:t>6</a:t>
             </a:fld>
             <a:endParaRPr lang="ru-RU"/>
           </a:p>
@@ -708,7 +707,7 @@
           <a:p>
             <a:fld id="{D2BFCF20-6A6D-4ECF-8BA5-ADC2D53D1657}" type="slidenum">
               <a:rPr lang="ru-RU" smtClean="0"/>
-              <a:t>8</a:t>
+              <a:t>7</a:t>
             </a:fld>
             <a:endParaRPr lang="ru-RU"/>
           </a:p>
@@ -874,7 +873,7 @@
           <a:p>
             <a:fld id="{EB5E5401-CD2B-44E6-8C52-03406AAB081F}" type="datetimeFigureOut">
               <a:rPr lang="ru-RU" smtClean="0"/>
-              <a:t>09.07.2024</a:t>
+              <a:t>13.07.2024</a:t>
             </a:fld>
             <a:endParaRPr lang="ru-RU"/>
           </a:p>
@@ -1072,7 +1071,7 @@
           <a:p>
             <a:fld id="{EB5E5401-CD2B-44E6-8C52-03406AAB081F}" type="datetimeFigureOut">
               <a:rPr lang="ru-RU" smtClean="0"/>
-              <a:t>09.07.2024</a:t>
+              <a:t>13.07.2024</a:t>
             </a:fld>
             <a:endParaRPr lang="ru-RU"/>
           </a:p>
@@ -1280,7 +1279,7 @@
           <a:p>
             <a:fld id="{EB5E5401-CD2B-44E6-8C52-03406AAB081F}" type="datetimeFigureOut">
               <a:rPr lang="ru-RU" smtClean="0"/>
-              <a:t>09.07.2024</a:t>
+              <a:t>13.07.2024</a:t>
             </a:fld>
             <a:endParaRPr lang="ru-RU"/>
           </a:p>
@@ -1478,7 +1477,7 @@
           <a:p>
             <a:fld id="{EB5E5401-CD2B-44E6-8C52-03406AAB081F}" type="datetimeFigureOut">
               <a:rPr lang="ru-RU" smtClean="0"/>
-              <a:t>09.07.2024</a:t>
+              <a:t>13.07.2024</a:t>
             </a:fld>
             <a:endParaRPr lang="ru-RU"/>
           </a:p>
@@ -1753,7 +1752,7 @@
           <a:p>
             <a:fld id="{EB5E5401-CD2B-44E6-8C52-03406AAB081F}" type="datetimeFigureOut">
               <a:rPr lang="ru-RU" smtClean="0"/>
-              <a:t>09.07.2024</a:t>
+              <a:t>13.07.2024</a:t>
             </a:fld>
             <a:endParaRPr lang="ru-RU"/>
           </a:p>
@@ -2018,7 +2017,7 @@
           <a:p>
             <a:fld id="{EB5E5401-CD2B-44E6-8C52-03406AAB081F}" type="datetimeFigureOut">
               <a:rPr lang="ru-RU" smtClean="0"/>
-              <a:t>09.07.2024</a:t>
+              <a:t>13.07.2024</a:t>
             </a:fld>
             <a:endParaRPr lang="ru-RU"/>
           </a:p>
@@ -2430,7 +2429,7 @@
           <a:p>
             <a:fld id="{EB5E5401-CD2B-44E6-8C52-03406AAB081F}" type="datetimeFigureOut">
               <a:rPr lang="ru-RU" smtClean="0"/>
-              <a:t>09.07.2024</a:t>
+              <a:t>13.07.2024</a:t>
             </a:fld>
             <a:endParaRPr lang="ru-RU"/>
           </a:p>
@@ -2571,7 +2570,7 @@
           <a:p>
             <a:fld id="{EB5E5401-CD2B-44E6-8C52-03406AAB081F}" type="datetimeFigureOut">
               <a:rPr lang="ru-RU" smtClean="0"/>
-              <a:t>09.07.2024</a:t>
+              <a:t>13.07.2024</a:t>
             </a:fld>
             <a:endParaRPr lang="ru-RU"/>
           </a:p>
@@ -2684,7 +2683,7 @@
           <a:p>
             <a:fld id="{EB5E5401-CD2B-44E6-8C52-03406AAB081F}" type="datetimeFigureOut">
               <a:rPr lang="ru-RU" smtClean="0"/>
-              <a:t>09.07.2024</a:t>
+              <a:t>13.07.2024</a:t>
             </a:fld>
             <a:endParaRPr lang="ru-RU"/>
           </a:p>
@@ -2995,7 +2994,7 @@
           <a:p>
             <a:fld id="{EB5E5401-CD2B-44E6-8C52-03406AAB081F}" type="datetimeFigureOut">
               <a:rPr lang="ru-RU" smtClean="0"/>
-              <a:t>09.07.2024</a:t>
+              <a:t>13.07.2024</a:t>
             </a:fld>
             <a:endParaRPr lang="ru-RU"/>
           </a:p>
@@ -3283,7 +3282,7 @@
           <a:p>
             <a:fld id="{EB5E5401-CD2B-44E6-8C52-03406AAB081F}" type="datetimeFigureOut">
               <a:rPr lang="ru-RU" smtClean="0"/>
-              <a:t>09.07.2024</a:t>
+              <a:t>13.07.2024</a:t>
             </a:fld>
             <a:endParaRPr lang="ru-RU"/>
           </a:p>
@@ -3524,7 +3523,7 @@
           <a:p>
             <a:fld id="{EB5E5401-CD2B-44E6-8C52-03406AAB081F}" type="datetimeFigureOut">
               <a:rPr lang="ru-RU" smtClean="0"/>
-              <a:t>09.07.2024</a:t>
+              <a:t>13.07.2024</a:t>
             </a:fld>
             <a:endParaRPr lang="ru-RU"/>
           </a:p>
@@ -4006,7 +4005,7 @@
         </p:nvSpPr>
         <p:spPr>
           <a:xfrm>
-            <a:off x="0" y="-1"/>
+            <a:off x="0" y="0"/>
             <a:ext cx="12192000" cy="2627791"/>
           </a:xfrm>
           <a:prstGeom prst="rect">
@@ -4037,7 +4036,7 @@
           <a:lstStyle/>
           <a:p>
             <a:pPr algn="ctr"/>
-            <a:endParaRPr lang="ru-RU"/>
+            <a:endParaRPr lang="ru-RU" dirty="0"/>
           </a:p>
         </p:txBody>
       </p:sp>
@@ -4059,30 +4058,50 @@
         </p:nvSpPr>
         <p:spPr>
           <a:xfrm>
-            <a:off x="1524000" y="1051342"/>
-            <a:ext cx="9144000" cy="946134"/>
-          </a:xfrm>
-        </p:spPr>
-        <p:txBody>
-          <a:bodyPr/>
-          <a:lstStyle/>
-          <a:p>
-            <a:r>
-              <a:rPr lang="en-US" dirty="0">
+            <a:off x="1524000" y="435007"/>
+            <a:ext cx="9144000" cy="1473694"/>
+          </a:xfrm>
+        </p:spPr>
+        <p:txBody>
+          <a:bodyPr>
+            <a:normAutofit fontScale="90000"/>
+          </a:bodyPr>
+          <a:lstStyle/>
+          <a:p>
+            <a:r>
+              <a:rPr lang="ru-RU" dirty="0">
                 <a:solidFill>
                   <a:schemeClr val="bg1"/>
                 </a:solidFill>
                 <a:latin typeface="Bahnschrift" panose="020B0502040204020203" pitchFamily="34" charset="0"/>
               </a:rPr>
-              <a:t>Video Time </a:t>
-            </a:r>
-            <a:r>
-              <a:rPr lang="en-US" dirty="0">
+              <a:t>Дипломная работа:</a:t>
+            </a:r>
+            <a:br>
+              <a:rPr lang="ru-RU" dirty="0">
                 <a:solidFill>
                   <a:schemeClr val="bg1"/>
                 </a:solidFill>
+                <a:latin typeface="Bahnschrift" panose="020B0502040204020203" pitchFamily="34" charset="0"/>
               </a:rPr>
-              <a:t>🎥</a:t>
+            </a:br>
+            <a:r>
+              <a:rPr lang="ru-RU" sz="4900" dirty="0">
+                <a:solidFill>
+                  <a:schemeClr val="bg1"/>
+                </a:solidFill>
+                <a:latin typeface="Bahnschrift" panose="020B0502040204020203" pitchFamily="34" charset="0"/>
+              </a:rPr>
+              <a:t>Видео </a:t>
+            </a:r>
+            <a:r>
+              <a:rPr lang="ru-RU" sz="4900" dirty="0" err="1">
+                <a:solidFill>
+                  <a:schemeClr val="bg1"/>
+                </a:solidFill>
+                <a:latin typeface="Bahnschrift" panose="020B0502040204020203" pitchFamily="34" charset="0"/>
+              </a:rPr>
+              <a:t>скроллер</a:t>
             </a:r>
             <a:endParaRPr lang="ru-RU" dirty="0">
               <a:solidFill>
@@ -4255,10 +4274,10 @@
       </p:sp>
       <p:sp>
         <p:nvSpPr>
-          <p:cNvPr id="5" name="Объект 4">
-            <a:extLst>
-              <a:ext uri="{FF2B5EF4-FFF2-40B4-BE49-F238E27FC236}">
-                <a16:creationId xmlns:a16="http://schemas.microsoft.com/office/drawing/2014/main" id="{5F5FD15D-E896-4027-901D-B68BC7C103EF}"/>
+          <p:cNvPr id="3" name="Объект 2">
+            <a:extLst>
+              <a:ext uri="{FF2B5EF4-FFF2-40B4-BE49-F238E27FC236}">
+                <a16:creationId xmlns:a16="http://schemas.microsoft.com/office/drawing/2014/main" id="{557B45B5-E60F-4A40-A035-179F3129EC79}"/>
               </a:ext>
             </a:extLst>
           </p:cNvPr>
@@ -4271,8 +4290,8 @@
         </p:nvSpPr>
         <p:spPr>
           <a:xfrm>
-            <a:off x="838200" y="1681675"/>
-            <a:ext cx="10515600" cy="4351338"/>
+            <a:off x="933264" y="1568171"/>
+            <a:ext cx="10847403" cy="4351338"/>
           </a:xfrm>
         </p:spPr>
         <p:txBody>
@@ -4281,312 +4300,6 @@
           </a:bodyPr>
           <a:lstStyle/>
           <a:p>
-            <a:pPr marL="0" indent="0">
-              <a:buNone/>
-            </a:pPr>
-            <a:r>
-              <a:rPr lang="ru-RU" sz="1800" dirty="0"/>
-              <a:t>Первым сложным моментом являлась работа с лайками, а именно – их хранение в </a:t>
-            </a:r>
-            <a:r>
-              <a:rPr lang="ru-RU" sz="1800" dirty="0" err="1"/>
-              <a:t>бд</a:t>
-            </a:r>
-            <a:r>
-              <a:rPr lang="ru-RU" sz="1800" dirty="0"/>
-              <a:t>, получение их количества и отображение лайков на странице пользователя</a:t>
-            </a:r>
-            <a:r>
-              <a:rPr lang="en-US" sz="1800" dirty="0"/>
-              <a:t>.</a:t>
-            </a:r>
-            <a:endParaRPr lang="ru-RU" sz="1800" dirty="0"/>
-          </a:p>
-        </p:txBody>
-      </p:sp>
-      <p:pic>
-        <p:nvPicPr>
-          <p:cNvPr id="20" name="Рисунок 19">
-            <a:extLst>
-              <a:ext uri="{FF2B5EF4-FFF2-40B4-BE49-F238E27FC236}">
-                <a16:creationId xmlns:a16="http://schemas.microsoft.com/office/drawing/2014/main" id="{D350DCF1-AF3E-4A01-8AB4-4677C41980F1}"/>
-              </a:ext>
-            </a:extLst>
-          </p:cNvPr>
-          <p:cNvPicPr>
-            <a:picLocks noChangeAspect="1"/>
-          </p:cNvPicPr>
-          <p:nvPr/>
-        </p:nvPicPr>
-        <p:blipFill rotWithShape="1">
-          <a:blip r:embed="rId2">
-            <a:extLst>
-              <a:ext uri="{28A0092B-C50C-407E-A947-70E740481C1C}">
-                <a14:useLocalDpi xmlns:a14="http://schemas.microsoft.com/office/drawing/2010/main" val="0"/>
-              </a:ext>
-            </a:extLst>
-          </a:blip>
-          <a:srcRect b="37450"/>
-          <a:stretch/>
-        </p:blipFill>
-        <p:spPr>
-          <a:xfrm>
-            <a:off x="7170966" y="2725503"/>
-            <a:ext cx="3681986" cy="1356526"/>
-          </a:xfrm>
-          <a:prstGeom prst="rect">
-            <a:avLst/>
-          </a:prstGeom>
-        </p:spPr>
-      </p:pic>
-      <p:pic>
-        <p:nvPicPr>
-          <p:cNvPr id="22" name="Рисунок 21">
-            <a:extLst>
-              <a:ext uri="{FF2B5EF4-FFF2-40B4-BE49-F238E27FC236}">
-                <a16:creationId xmlns:a16="http://schemas.microsoft.com/office/drawing/2014/main" id="{1802DD9D-DAA7-4414-9789-8CB4C4C70FA8}"/>
-              </a:ext>
-            </a:extLst>
-          </p:cNvPr>
-          <p:cNvPicPr>
-            <a:picLocks noChangeAspect="1"/>
-          </p:cNvPicPr>
-          <p:nvPr/>
-        </p:nvPicPr>
-        <p:blipFill>
-          <a:blip r:embed="rId3">
-            <a:extLst>
-              <a:ext uri="{28A0092B-C50C-407E-A947-70E740481C1C}">
-                <a14:useLocalDpi xmlns:a14="http://schemas.microsoft.com/office/drawing/2010/main" val="0"/>
-              </a:ext>
-            </a:extLst>
-          </a:blip>
-          <a:stretch>
-            <a:fillRect/>
-          </a:stretch>
-        </p:blipFill>
-        <p:spPr>
-          <a:xfrm>
-            <a:off x="697046" y="2422906"/>
-            <a:ext cx="5614977" cy="3167580"/>
-          </a:xfrm>
-          <a:prstGeom prst="rect">
-            <a:avLst/>
-          </a:prstGeom>
-        </p:spPr>
-      </p:pic>
-      <p:pic>
-        <p:nvPicPr>
-          <p:cNvPr id="26" name="Рисунок 25">
-            <a:extLst>
-              <a:ext uri="{FF2B5EF4-FFF2-40B4-BE49-F238E27FC236}">
-                <a16:creationId xmlns:a16="http://schemas.microsoft.com/office/drawing/2014/main" id="{0DDD0F7B-4099-4F91-B2CE-3068E4E9BF9E}"/>
-              </a:ext>
-            </a:extLst>
-          </p:cNvPr>
-          <p:cNvPicPr>
-            <a:picLocks noChangeAspect="1"/>
-          </p:cNvPicPr>
-          <p:nvPr/>
-        </p:nvPicPr>
-        <p:blipFill rotWithShape="1">
-          <a:blip r:embed="rId4">
-            <a:extLst>
-              <a:ext uri="{28A0092B-C50C-407E-A947-70E740481C1C}">
-                <a14:useLocalDpi xmlns:a14="http://schemas.microsoft.com/office/drawing/2010/main" val="0"/>
-              </a:ext>
-            </a:extLst>
-          </a:blip>
-          <a:srcRect l="36699" t="94965" r="40801" b="1192"/>
-          <a:stretch/>
-        </p:blipFill>
-        <p:spPr>
-          <a:xfrm>
-            <a:off x="7809519" y="4575266"/>
-            <a:ext cx="3685435" cy="286247"/>
-          </a:xfrm>
-          <a:prstGeom prst="rect">
-            <a:avLst/>
-          </a:prstGeom>
-        </p:spPr>
-      </p:pic>
-      <p:pic>
-        <p:nvPicPr>
-          <p:cNvPr id="28" name="Рисунок 27">
-            <a:extLst>
-              <a:ext uri="{FF2B5EF4-FFF2-40B4-BE49-F238E27FC236}">
-                <a16:creationId xmlns:a16="http://schemas.microsoft.com/office/drawing/2014/main" id="{55916830-53B8-4E7C-BD41-33E24E1B7F7B}"/>
-              </a:ext>
-            </a:extLst>
-          </p:cNvPr>
-          <p:cNvPicPr>
-            <a:picLocks noChangeAspect="1"/>
-          </p:cNvPicPr>
-          <p:nvPr/>
-        </p:nvPicPr>
-        <p:blipFill>
-          <a:blip r:embed="rId5"/>
-          <a:stretch>
-            <a:fillRect/>
-          </a:stretch>
-        </p:blipFill>
-        <p:spPr>
-          <a:xfrm>
-            <a:off x="1618034" y="5652551"/>
-            <a:ext cx="4324569" cy="916918"/>
-          </a:xfrm>
-          <a:prstGeom prst="rect">
-            <a:avLst/>
-          </a:prstGeom>
-        </p:spPr>
-      </p:pic>
-    </p:spTree>
-    <p:extLst>
-      <p:ext uri="{BB962C8B-B14F-4D97-AF65-F5344CB8AC3E}">
-        <p14:creationId xmlns:p14="http://schemas.microsoft.com/office/powerpoint/2010/main" val="3264544797"/>
-      </p:ext>
-    </p:extLst>
-  </p:cSld>
-  <p:clrMapOvr>
-    <a:masterClrMapping/>
-  </p:clrMapOvr>
-</p:sld>
-</file>
-
-<file path=ppt/slides/slide11.xml><?xml version="1.0" encoding="utf-8"?>
-<p:sld xmlns:a="http://schemas.openxmlformats.org/drawingml/2006/main" xmlns:r="http://schemas.openxmlformats.org/officeDocument/2006/relationships" xmlns:p="http://schemas.openxmlformats.org/presentationml/2006/main">
-  <p:cSld>
-    <p:spTree>
-      <p:nvGrpSpPr>
-        <p:cNvPr id="1" name=""/>
-        <p:cNvGrpSpPr/>
-        <p:nvPr/>
-      </p:nvGrpSpPr>
-      <p:grpSpPr>
-        <a:xfrm>
-          <a:off x="0" y="0"/>
-          <a:ext cx="0" cy="0"/>
-          <a:chOff x="0" y="0"/>
-          <a:chExt cx="0" cy="0"/>
-        </a:xfrm>
-      </p:grpSpPr>
-      <p:sp>
-        <p:nvSpPr>
-          <p:cNvPr id="4" name="Прямоугольник 3">
-            <a:extLst>
-              <a:ext uri="{FF2B5EF4-FFF2-40B4-BE49-F238E27FC236}">
-                <a16:creationId xmlns:a16="http://schemas.microsoft.com/office/drawing/2014/main" id="{1B118346-5443-4068-BC83-058CEBC4AD70}"/>
-              </a:ext>
-            </a:extLst>
-          </p:cNvPr>
-          <p:cNvSpPr/>
-          <p:nvPr/>
-        </p:nvSpPr>
-        <p:spPr>
-          <a:xfrm>
-            <a:off x="0" y="0"/>
-            <a:ext cx="12192000" cy="1145219"/>
-          </a:xfrm>
-          <a:prstGeom prst="rect">
-            <a:avLst/>
-          </a:prstGeom>
-          <a:solidFill>
-            <a:srgbClr val="FF0078"/>
-          </a:solidFill>
-        </p:spPr>
-        <p:style>
-          <a:lnRef idx="2">
-            <a:schemeClr val="accent1">
-              <a:shade val="50000"/>
-            </a:schemeClr>
-          </a:lnRef>
-          <a:fillRef idx="1">
-            <a:schemeClr val="accent1"/>
-          </a:fillRef>
-          <a:effectRef idx="0">
-            <a:schemeClr val="accent1"/>
-          </a:effectRef>
-          <a:fontRef idx="minor">
-            <a:schemeClr val="lt1"/>
-          </a:fontRef>
-        </p:style>
-        <p:txBody>
-          <a:bodyPr rtlCol="0" anchor="ctr"/>
-          <a:lstStyle/>
-          <a:p>
-            <a:pPr algn="ctr"/>
-            <a:endParaRPr lang="ru-RU"/>
-          </a:p>
-        </p:txBody>
-      </p:sp>
-      <p:sp>
-        <p:nvSpPr>
-          <p:cNvPr id="2" name="Заголовок 1">
-            <a:extLst>
-              <a:ext uri="{FF2B5EF4-FFF2-40B4-BE49-F238E27FC236}">
-                <a16:creationId xmlns:a16="http://schemas.microsoft.com/office/drawing/2014/main" id="{91BD8183-D1DB-4CD5-A263-ADC7B7B6EC9B}"/>
-              </a:ext>
-            </a:extLst>
-          </p:cNvPr>
-          <p:cNvSpPr>
-            <a:spLocks noGrp="1"/>
-          </p:cNvSpPr>
-          <p:nvPr>
-            <p:ph type="title"/>
-          </p:nvPr>
-        </p:nvSpPr>
-        <p:spPr>
-          <a:xfrm>
-            <a:off x="337352" y="146481"/>
-            <a:ext cx="10515600" cy="852256"/>
-          </a:xfrm>
-        </p:spPr>
-        <p:txBody>
-          <a:bodyPr>
-            <a:normAutofit/>
-          </a:bodyPr>
-          <a:lstStyle/>
-          <a:p>
-            <a:r>
-              <a:rPr lang="ru-RU" sz="3600" dirty="0">
-                <a:solidFill>
-                  <a:schemeClr val="bg1"/>
-                </a:solidFill>
-                <a:latin typeface="Bahnschrift" panose="020B0502040204020203" pitchFamily="34" charset="0"/>
-              </a:rPr>
-              <a:t>Сложные моменты</a:t>
-            </a:r>
-          </a:p>
-        </p:txBody>
-      </p:sp>
-      <p:sp>
-        <p:nvSpPr>
-          <p:cNvPr id="3" name="Объект 2">
-            <a:extLst>
-              <a:ext uri="{FF2B5EF4-FFF2-40B4-BE49-F238E27FC236}">
-                <a16:creationId xmlns:a16="http://schemas.microsoft.com/office/drawing/2014/main" id="{557B45B5-E60F-4A40-A035-179F3129EC79}"/>
-              </a:ext>
-            </a:extLst>
-          </p:cNvPr>
-          <p:cNvSpPr>
-            <a:spLocks noGrp="1"/>
-          </p:cNvSpPr>
-          <p:nvPr>
-            <p:ph idx="1"/>
-          </p:nvPr>
-        </p:nvSpPr>
-        <p:spPr>
-          <a:xfrm>
-            <a:off x="1093063" y="1639193"/>
-            <a:ext cx="4502089" cy="4351338"/>
-          </a:xfrm>
-        </p:spPr>
-        <p:txBody>
-          <a:bodyPr>
-            <a:normAutofit/>
-          </a:bodyPr>
-          <a:lstStyle/>
-          <a:p>
             <a:pPr marL="0" indent="0" algn="just">
               <a:buNone/>
             </a:pPr>
@@ -4599,10 +4312,10 @@
       </p:sp>
       <p:pic>
         <p:nvPicPr>
-          <p:cNvPr id="6" name="Рисунок 5">
-            <a:extLst>
-              <a:ext uri="{FF2B5EF4-FFF2-40B4-BE49-F238E27FC236}">
-                <a16:creationId xmlns:a16="http://schemas.microsoft.com/office/drawing/2014/main" id="{6AF3B1C4-FDB9-4D41-B5D7-99E202A615B6}"/>
+          <p:cNvPr id="7" name="Рисунок 6">
+            <a:extLst>
+              <a:ext uri="{FF2B5EF4-FFF2-40B4-BE49-F238E27FC236}">
+                <a16:creationId xmlns:a16="http://schemas.microsoft.com/office/drawing/2014/main" id="{276E9E88-609F-47C2-A8DD-B6D834E2306A}"/>
               </a:ext>
             </a:extLst>
           </p:cNvPr>
@@ -4619,8 +4332,8 @@
         </p:blipFill>
         <p:spPr>
           <a:xfrm>
-            <a:off x="6096000" y="1379485"/>
-            <a:ext cx="5553280" cy="4870754"/>
+            <a:off x="2078483" y="2262083"/>
+            <a:ext cx="7734469" cy="3899020"/>
           </a:xfrm>
           <a:prstGeom prst="rect">
             <a:avLst/>
@@ -4640,7 +4353,7 @@
 </p:sld>
 </file>
 
-<file path=ppt/slides/slide12.xml><?xml version="1.0" encoding="utf-8"?>
+<file path=ppt/slides/slide11.xml><?xml version="1.0" encoding="utf-8"?>
 <p:sld xmlns:a="http://schemas.openxmlformats.org/drawingml/2006/main" xmlns:r="http://schemas.openxmlformats.org/officeDocument/2006/relationships" xmlns:p="http://schemas.openxmlformats.org/presentationml/2006/main">
   <p:cSld>
     <p:spTree>
@@ -5253,10 +4966,10 @@
       </p:grpSpPr>
       <p:sp>
         <p:nvSpPr>
-          <p:cNvPr id="11" name="Прямоугольник 10">
-            <a:extLst>
-              <a:ext uri="{FF2B5EF4-FFF2-40B4-BE49-F238E27FC236}">
-                <a16:creationId xmlns:a16="http://schemas.microsoft.com/office/drawing/2014/main" id="{B1164099-C632-4BAD-BB2E-BB5AC60621A3}"/>
+          <p:cNvPr id="4" name="Прямоугольник 3">
+            <a:extLst>
+              <a:ext uri="{FF2B5EF4-FFF2-40B4-BE49-F238E27FC236}">
+                <a16:creationId xmlns:a16="http://schemas.microsoft.com/office/drawing/2014/main" id="{1B118346-5443-4068-BC83-058CEBC4AD70}"/>
               </a:ext>
             </a:extLst>
           </p:cNvPr>
@@ -5265,14 +4978,14 @@
         </p:nvSpPr>
         <p:spPr>
           <a:xfrm>
-            <a:off x="1601679" y="1141767"/>
-            <a:ext cx="702815" cy="5818325"/>
+            <a:off x="0" y="0"/>
+            <a:ext cx="12192000" cy="1145219"/>
           </a:xfrm>
           <a:prstGeom prst="rect">
             <a:avLst/>
           </a:prstGeom>
           <a:solidFill>
-            <a:srgbClr val="3CB8E8"/>
+            <a:srgbClr val="FF0078"/>
           </a:solidFill>
         </p:spPr>
         <p:style>
@@ -5302,139 +5015,6 @@
       </p:sp>
       <p:sp>
         <p:nvSpPr>
-          <p:cNvPr id="12" name="Прямоугольник 11">
-            <a:extLst>
-              <a:ext uri="{FF2B5EF4-FFF2-40B4-BE49-F238E27FC236}">
-                <a16:creationId xmlns:a16="http://schemas.microsoft.com/office/drawing/2014/main" id="{93B4E93F-B4AD-4E82-9F4B-D979F15135D0}"/>
-              </a:ext>
-            </a:extLst>
-          </p:cNvPr>
-          <p:cNvSpPr/>
-          <p:nvPr/>
-        </p:nvSpPr>
-        <p:spPr>
-          <a:xfrm>
-            <a:off x="10220047" y="1141767"/>
-            <a:ext cx="702815" cy="5818326"/>
-          </a:xfrm>
-          <a:prstGeom prst="rect">
-            <a:avLst/>
-          </a:prstGeom>
-          <a:solidFill>
-            <a:srgbClr val="3CB8E8"/>
-          </a:solidFill>
-        </p:spPr>
-        <p:style>
-          <a:lnRef idx="2">
-            <a:schemeClr val="accent1">
-              <a:shade val="50000"/>
-            </a:schemeClr>
-          </a:lnRef>
-          <a:fillRef idx="1">
-            <a:schemeClr val="accent1"/>
-          </a:fillRef>
-          <a:effectRef idx="0">
-            <a:schemeClr val="accent1"/>
-          </a:effectRef>
-          <a:fontRef idx="minor">
-            <a:schemeClr val="lt1"/>
-          </a:fontRef>
-        </p:style>
-        <p:txBody>
-          <a:bodyPr rtlCol="0" anchor="ctr"/>
-          <a:lstStyle/>
-          <a:p>
-            <a:pPr algn="ctr"/>
-            <a:endParaRPr lang="ru-RU" dirty="0"/>
-          </a:p>
-        </p:txBody>
-      </p:sp>
-      <p:pic>
-        <p:nvPicPr>
-          <p:cNvPr id="10" name="Объект 9">
-            <a:extLst>
-              <a:ext uri="{FF2B5EF4-FFF2-40B4-BE49-F238E27FC236}">
-                <a16:creationId xmlns:a16="http://schemas.microsoft.com/office/drawing/2014/main" id="{A75161D5-00E9-4A92-9910-DC0B61D18466}"/>
-              </a:ext>
-            </a:extLst>
-          </p:cNvPr>
-          <p:cNvPicPr>
-            <a:picLocks noGrp="1" noChangeAspect="1"/>
-          </p:cNvPicPr>
-          <p:nvPr>
-            <p:ph idx="1"/>
-          </p:nvPr>
-        </p:nvPicPr>
-        <p:blipFill>
-          <a:blip r:embed="rId2">
-            <a:extLst>
-              <a:ext uri="{28A0092B-C50C-407E-A947-70E740481C1C}">
-                <a14:useLocalDpi xmlns:a14="http://schemas.microsoft.com/office/drawing/2010/main" val="0"/>
-              </a:ext>
-            </a:extLst>
-          </a:blip>
-          <a:stretch>
-            <a:fillRect/>
-          </a:stretch>
-        </p:blipFill>
-        <p:spPr>
-          <a:xfrm>
-            <a:off x="2233473" y="1141767"/>
-            <a:ext cx="8123067" cy="5716233"/>
-          </a:xfrm>
-        </p:spPr>
-      </p:pic>
-      <p:sp>
-        <p:nvSpPr>
-          <p:cNvPr id="4" name="Прямоугольник 3">
-            <a:extLst>
-              <a:ext uri="{FF2B5EF4-FFF2-40B4-BE49-F238E27FC236}">
-                <a16:creationId xmlns:a16="http://schemas.microsoft.com/office/drawing/2014/main" id="{1B118346-5443-4068-BC83-058CEBC4AD70}"/>
-              </a:ext>
-            </a:extLst>
-          </p:cNvPr>
-          <p:cNvSpPr/>
-          <p:nvPr/>
-        </p:nvSpPr>
-        <p:spPr>
-          <a:xfrm>
-            <a:off x="0" y="0"/>
-            <a:ext cx="12192000" cy="1145219"/>
-          </a:xfrm>
-          <a:prstGeom prst="rect">
-            <a:avLst/>
-          </a:prstGeom>
-          <a:solidFill>
-            <a:srgbClr val="FF0078"/>
-          </a:solidFill>
-        </p:spPr>
-        <p:style>
-          <a:lnRef idx="2">
-            <a:schemeClr val="accent1">
-              <a:shade val="50000"/>
-            </a:schemeClr>
-          </a:lnRef>
-          <a:fillRef idx="1">
-            <a:schemeClr val="accent1"/>
-          </a:fillRef>
-          <a:effectRef idx="0">
-            <a:schemeClr val="accent1"/>
-          </a:effectRef>
-          <a:fontRef idx="minor">
-            <a:schemeClr val="lt1"/>
-          </a:fontRef>
-        </p:style>
-        <p:txBody>
-          <a:bodyPr rtlCol="0" anchor="ctr"/>
-          <a:lstStyle/>
-          <a:p>
-            <a:pPr algn="ctr"/>
-            <a:endParaRPr lang="ru-RU"/>
-          </a:p>
-        </p:txBody>
-      </p:sp>
-      <p:sp>
-        <p:nvSpPr>
           <p:cNvPr id="2" name="Заголовок 1">
             <a:extLst>
               <a:ext uri="{FF2B5EF4-FFF2-40B4-BE49-F238E27FC236}">
@@ -5468,15 +5048,386 @@
                 </a:solidFill>
                 <a:latin typeface="Bahnschrift" panose="020B0502040204020203" pitchFamily="34" charset="0"/>
               </a:rPr>
-              <a:t>Технические задачи</a:t>
-            </a:r>
-          </a:p>
-        </p:txBody>
-      </p:sp>
+              <a:t>Создание проекта</a:t>
+            </a:r>
+          </a:p>
+        </p:txBody>
+      </p:sp>
+      <p:sp>
+        <p:nvSpPr>
+          <p:cNvPr id="3" name="Объект 2">
+            <a:extLst>
+              <a:ext uri="{FF2B5EF4-FFF2-40B4-BE49-F238E27FC236}">
+                <a16:creationId xmlns:a16="http://schemas.microsoft.com/office/drawing/2014/main" id="{557B45B5-E60F-4A40-A035-179F3129EC79}"/>
+              </a:ext>
+            </a:extLst>
+          </p:cNvPr>
+          <p:cNvSpPr>
+            <a:spLocks noGrp="1"/>
+          </p:cNvSpPr>
+          <p:nvPr>
+            <p:ph idx="1"/>
+          </p:nvPr>
+        </p:nvSpPr>
+        <p:spPr>
+          <a:xfrm>
+            <a:off x="864463" y="1812029"/>
+            <a:ext cx="10463074" cy="4351338"/>
+          </a:xfrm>
+        </p:spPr>
+        <p:txBody>
+          <a:bodyPr>
+            <a:normAutofit/>
+          </a:bodyPr>
+          <a:lstStyle/>
+          <a:p>
+            <a:pPr marL="0" indent="0">
+              <a:buNone/>
+            </a:pPr>
+            <a:r>
+              <a:rPr lang="ru-RU" sz="1800" dirty="0"/>
+              <a:t>Проект был создан на языке программирования </a:t>
+            </a:r>
+            <a:r>
+              <a:rPr lang="en-US" sz="1800" dirty="0"/>
+              <a:t>Python</a:t>
+            </a:r>
+            <a:r>
+              <a:rPr lang="ru-RU" sz="1800" dirty="0"/>
+              <a:t> с использованием фреймворка </a:t>
+            </a:r>
+            <a:r>
+              <a:rPr lang="en-US" sz="1800" dirty="0"/>
+              <a:t>Django.</a:t>
+            </a:r>
+            <a:r>
+              <a:rPr lang="ru-RU" sz="1800" dirty="0"/>
+              <a:t> Скелет проекта был написан на </a:t>
+            </a:r>
+            <a:r>
+              <a:rPr lang="en-US" sz="1800" dirty="0"/>
+              <a:t>HTML</a:t>
+            </a:r>
+            <a:r>
+              <a:rPr lang="ru-RU" sz="1800" dirty="0"/>
+              <a:t>, дизайн – </a:t>
+            </a:r>
+            <a:r>
+              <a:rPr lang="en-US" sz="1800" dirty="0"/>
+              <a:t>CSS </a:t>
+            </a:r>
+            <a:r>
+              <a:rPr lang="ru-RU" sz="1800" dirty="0"/>
+              <a:t>и немного </a:t>
+            </a:r>
+            <a:r>
+              <a:rPr lang="en-US" sz="1800" dirty="0"/>
+              <a:t>JS</a:t>
+            </a:r>
+            <a:r>
+              <a:rPr lang="ru-RU" sz="1800" dirty="0"/>
+              <a:t>. Для хранения проекта использовался </a:t>
+            </a:r>
+            <a:r>
+              <a:rPr lang="en-US" sz="1800" dirty="0"/>
+              <a:t>Git</a:t>
+            </a:r>
+          </a:p>
+          <a:p>
+            <a:pPr marL="0" indent="0">
+              <a:buNone/>
+            </a:pPr>
+            <a:r>
+              <a:rPr lang="ru-RU" sz="1800" dirty="0"/>
+              <a:t> </a:t>
+            </a:r>
+          </a:p>
+        </p:txBody>
+      </p:sp>
+      <p:pic>
+        <p:nvPicPr>
+          <p:cNvPr id="1026" name="Picture 2" descr="Что бы я хотел знать когда начинал изучать Django? — очень общий взгляд /  Хабр">
+            <a:extLst>
+              <a:ext uri="{FF2B5EF4-FFF2-40B4-BE49-F238E27FC236}">
+                <a16:creationId xmlns:a16="http://schemas.microsoft.com/office/drawing/2014/main" id="{AE9D0B18-2447-44DE-97F1-806776A822A2}"/>
+              </a:ext>
+            </a:extLst>
+          </p:cNvPr>
+          <p:cNvPicPr>
+            <a:picLocks noChangeAspect="1" noChangeArrowheads="1"/>
+          </p:cNvPicPr>
+          <p:nvPr/>
+        </p:nvPicPr>
+        <p:blipFill>
+          <a:blip r:embed="rId2">
+            <a:extLst>
+              <a:ext uri="{28A0092B-C50C-407E-A947-70E740481C1C}">
+                <a14:useLocalDpi xmlns:a14="http://schemas.microsoft.com/office/drawing/2010/main" val="0"/>
+              </a:ext>
+            </a:extLst>
+          </a:blip>
+          <a:srcRect/>
+          <a:stretch>
+            <a:fillRect/>
+          </a:stretch>
+        </p:blipFill>
+        <p:spPr bwMode="auto">
+          <a:xfrm>
+            <a:off x="9097087" y="2406536"/>
+            <a:ext cx="2871186" cy="1306390"/>
+          </a:xfrm>
+          <a:prstGeom prst="rect">
+            <a:avLst/>
+          </a:prstGeom>
+          <a:noFill/>
+          <a:extLst>
+            <a:ext uri="{909E8E84-426E-40DD-AFC4-6F175D3DCCD1}">
+              <a14:hiddenFill xmlns:a14="http://schemas.microsoft.com/office/drawing/2010/main">
+                <a:solidFill>
+                  <a:srgbClr val="FFFFFF"/>
+                </a:solidFill>
+              </a14:hiddenFill>
+            </a:ext>
+          </a:extLst>
+        </p:spPr>
+      </p:pic>
+      <p:pic>
+        <p:nvPicPr>
+          <p:cNvPr id="1036" name="Picture 12" descr="Что такое HTML и зачем он нужен - База Знаний Timeweb Community">
+            <a:extLst>
+              <a:ext uri="{FF2B5EF4-FFF2-40B4-BE49-F238E27FC236}">
+                <a16:creationId xmlns:a16="http://schemas.microsoft.com/office/drawing/2014/main" id="{73297C11-9D02-4D69-87D9-177363CD081F}"/>
+              </a:ext>
+            </a:extLst>
+          </p:cNvPr>
+          <p:cNvPicPr>
+            <a:picLocks noChangeAspect="1" noChangeArrowheads="1"/>
+          </p:cNvPicPr>
+          <p:nvPr/>
+        </p:nvPicPr>
+        <p:blipFill rotWithShape="1">
+          <a:blip r:embed="rId3">
+            <a:extLst>
+              <a:ext uri="{28A0092B-C50C-407E-A947-70E740481C1C}">
+                <a14:useLocalDpi xmlns:a14="http://schemas.microsoft.com/office/drawing/2010/main" val="0"/>
+              </a:ext>
+            </a:extLst>
+          </a:blip>
+          <a:srcRect l="29246" t="17276" r="29392"/>
+          <a:stretch/>
+        </p:blipFill>
+        <p:spPr bwMode="auto">
+          <a:xfrm>
+            <a:off x="310902" y="3059731"/>
+            <a:ext cx="1855934" cy="1855935"/>
+          </a:xfrm>
+          <a:prstGeom prst="rect">
+            <a:avLst/>
+          </a:prstGeom>
+          <a:noFill/>
+          <a:extLst>
+            <a:ext uri="{909E8E84-426E-40DD-AFC4-6F175D3DCCD1}">
+              <a14:hiddenFill xmlns:a14="http://schemas.microsoft.com/office/drawing/2010/main">
+                <a:solidFill>
+                  <a:srgbClr val="FFFFFF"/>
+                </a:solidFill>
+              </a14:hiddenFill>
+            </a:ext>
+          </a:extLst>
+        </p:spPr>
+      </p:pic>
+      <p:pic>
+        <p:nvPicPr>
+          <p:cNvPr id="1040" name="Picture 16" descr="JavaScript — Википедия">
+            <a:extLst>
+              <a:ext uri="{FF2B5EF4-FFF2-40B4-BE49-F238E27FC236}">
+                <a16:creationId xmlns:a16="http://schemas.microsoft.com/office/drawing/2014/main" id="{109B6F66-0A81-4C87-AC20-2C1D1EACEB77}"/>
+              </a:ext>
+            </a:extLst>
+          </p:cNvPr>
+          <p:cNvPicPr>
+            <a:picLocks noChangeAspect="1" noChangeArrowheads="1"/>
+          </p:cNvPicPr>
+          <p:nvPr/>
+        </p:nvPicPr>
+        <p:blipFill>
+          <a:blip r:embed="rId4">
+            <a:extLst>
+              <a:ext uri="{28A0092B-C50C-407E-A947-70E740481C1C}">
+                <a14:useLocalDpi xmlns:a14="http://schemas.microsoft.com/office/drawing/2010/main" val="0"/>
+              </a:ext>
+            </a:extLst>
+          </a:blip>
+          <a:srcRect/>
+          <a:stretch>
+            <a:fillRect/>
+          </a:stretch>
+        </p:blipFill>
+        <p:spPr bwMode="auto">
+          <a:xfrm>
+            <a:off x="2291675" y="4223223"/>
+            <a:ext cx="2175909" cy="2175909"/>
+          </a:xfrm>
+          <a:prstGeom prst="rect">
+            <a:avLst/>
+          </a:prstGeom>
+          <a:noFill/>
+          <a:extLst>
+            <a:ext uri="{909E8E84-426E-40DD-AFC4-6F175D3DCCD1}">
+              <a14:hiddenFill xmlns:a14="http://schemas.microsoft.com/office/drawing/2010/main">
+                <a:solidFill>
+                  <a:srgbClr val="FFFFFF"/>
+                </a:solidFill>
+              </a14:hiddenFill>
+            </a:ext>
+          </a:extLst>
+        </p:spPr>
+      </p:pic>
+      <p:pic>
+        <p:nvPicPr>
+          <p:cNvPr id="1030" name="Picture 6" descr="CSS — Википедия">
+            <a:extLst>
+              <a:ext uri="{FF2B5EF4-FFF2-40B4-BE49-F238E27FC236}">
+                <a16:creationId xmlns:a16="http://schemas.microsoft.com/office/drawing/2014/main" id="{D94F090A-ED43-444A-A97A-6641835B8235}"/>
+              </a:ext>
+            </a:extLst>
+          </p:cNvPr>
+          <p:cNvPicPr>
+            <a:picLocks noChangeAspect="1" noChangeArrowheads="1"/>
+          </p:cNvPicPr>
+          <p:nvPr/>
+        </p:nvPicPr>
+        <p:blipFill>
+          <a:blip r:embed="rId5">
+            <a:extLst>
+              <a:ext uri="{28A0092B-C50C-407E-A947-70E740481C1C}">
+                <a14:useLocalDpi xmlns:a14="http://schemas.microsoft.com/office/drawing/2010/main" val="0"/>
+              </a:ext>
+            </a:extLst>
+          </a:blip>
+          <a:srcRect/>
+          <a:stretch>
+            <a:fillRect/>
+          </a:stretch>
+        </p:blipFill>
+        <p:spPr bwMode="auto">
+          <a:xfrm>
+            <a:off x="5005482" y="3541548"/>
+            <a:ext cx="1855934" cy="1855934"/>
+          </a:xfrm>
+          <a:prstGeom prst="rect">
+            <a:avLst/>
+          </a:prstGeom>
+          <a:noFill/>
+          <a:extLst>
+            <a:ext uri="{909E8E84-426E-40DD-AFC4-6F175D3DCCD1}">
+              <a14:hiddenFill xmlns:a14="http://schemas.microsoft.com/office/drawing/2010/main">
+                <a:solidFill>
+                  <a:srgbClr val="FFFFFF"/>
+                </a:solidFill>
+              </a14:hiddenFill>
+            </a:ext>
+          </a:extLst>
+        </p:spPr>
+      </p:pic>
+      <p:pic>
+        <p:nvPicPr>
+          <p:cNvPr id="1044" name="Picture 20" descr="Python (programming language) - Wikipedia">
+            <a:extLst>
+              <a:ext uri="{FF2B5EF4-FFF2-40B4-BE49-F238E27FC236}">
+                <a16:creationId xmlns:a16="http://schemas.microsoft.com/office/drawing/2014/main" id="{9A2BC1F3-EA5F-4C32-B394-9A1A6BADD7C6}"/>
+              </a:ext>
+            </a:extLst>
+          </p:cNvPr>
+          <p:cNvPicPr>
+            <a:picLocks noChangeAspect="1" noChangeArrowheads="1"/>
+          </p:cNvPicPr>
+          <p:nvPr/>
+        </p:nvPicPr>
+        <p:blipFill>
+          <a:blip r:embed="rId6">
+            <a:extLst>
+              <a:ext uri="{28A0092B-C50C-407E-A947-70E740481C1C}">
+                <a14:useLocalDpi xmlns:a14="http://schemas.microsoft.com/office/drawing/2010/main" val="0"/>
+              </a:ext>
+            </a:extLst>
+          </a:blip>
+          <a:srcRect/>
+          <a:stretch>
+            <a:fillRect/>
+          </a:stretch>
+        </p:blipFill>
+        <p:spPr bwMode="auto">
+          <a:xfrm>
+            <a:off x="7437687" y="3922044"/>
+            <a:ext cx="2310488" cy="2532684"/>
+          </a:xfrm>
+          <a:prstGeom prst="rect">
+            <a:avLst/>
+          </a:prstGeom>
+          <a:noFill/>
+          <a:extLst>
+            <a:ext uri="{909E8E84-426E-40DD-AFC4-6F175D3DCCD1}">
+              <a14:hiddenFill xmlns:a14="http://schemas.microsoft.com/office/drawing/2010/main">
+                <a:solidFill>
+                  <a:srgbClr val="FFFFFF"/>
+                </a:solidFill>
+              </a14:hiddenFill>
+            </a:ext>
+          </a:extLst>
+        </p:spPr>
+      </p:pic>
+      <p:pic>
+        <p:nvPicPr>
+          <p:cNvPr id="1046" name="Picture 22" descr="Git · GitHub">
+            <a:extLst>
+              <a:ext uri="{FF2B5EF4-FFF2-40B4-BE49-F238E27FC236}">
+                <a16:creationId xmlns:a16="http://schemas.microsoft.com/office/drawing/2014/main" id="{CC8C2A3A-7C7B-414D-A6A2-F5DA5E108922}"/>
+              </a:ext>
+            </a:extLst>
+          </p:cNvPr>
+          <p:cNvPicPr>
+            <a:picLocks noChangeAspect="1" noChangeArrowheads="1"/>
+          </p:cNvPicPr>
+          <p:nvPr/>
+        </p:nvPicPr>
+        <p:blipFill>
+          <a:blip r:embed="rId7">
+            <a:extLst>
+              <a:ext uri="{28A0092B-C50C-407E-A947-70E740481C1C}">
+                <a14:useLocalDpi xmlns:a14="http://schemas.microsoft.com/office/drawing/2010/main" val="0"/>
+              </a:ext>
+            </a:extLst>
+          </a:blip>
+          <a:srcRect/>
+          <a:stretch>
+            <a:fillRect/>
+          </a:stretch>
+        </p:blipFill>
+        <p:spPr bwMode="auto">
+          <a:xfrm>
+            <a:off x="0" y="1189997"/>
+            <a:ext cx="1051723" cy="1051723"/>
+          </a:xfrm>
+          <a:prstGeom prst="rect">
+            <a:avLst/>
+          </a:prstGeom>
+          <a:noFill/>
+          <a:extLst>
+            <a:ext uri="{909E8E84-426E-40DD-AFC4-6F175D3DCCD1}">
+              <a14:hiddenFill xmlns:a14="http://schemas.microsoft.com/office/drawing/2010/main">
+                <a:solidFill>
+                  <a:srgbClr val="FFFFFF"/>
+                </a:solidFill>
+              </a14:hiddenFill>
+            </a:ext>
+          </a:extLst>
+        </p:spPr>
+      </p:pic>
     </p:spTree>
     <p:extLst>
       <p:ext uri="{BB962C8B-B14F-4D97-AF65-F5344CB8AC3E}">
-        <p14:creationId xmlns:p14="http://schemas.microsoft.com/office/powerpoint/2010/main" val="2779863376"/>
+        <p14:creationId xmlns:p14="http://schemas.microsoft.com/office/powerpoint/2010/main" val="3981385821"/>
       </p:ext>
     </p:extLst>
   </p:cSld>
@@ -5587,205 +5538,92 @@
                 </a:solidFill>
                 <a:latin typeface="Bahnschrift" panose="020B0502040204020203" pitchFamily="34" charset="0"/>
               </a:rPr>
-              <a:t>Создание проекта</a:t>
-            </a:r>
-          </a:p>
-        </p:txBody>
-      </p:sp>
-      <p:sp>
-        <p:nvSpPr>
-          <p:cNvPr id="3" name="Объект 2">
-            <a:extLst>
-              <a:ext uri="{FF2B5EF4-FFF2-40B4-BE49-F238E27FC236}">
-                <a16:creationId xmlns:a16="http://schemas.microsoft.com/office/drawing/2014/main" id="{557B45B5-E60F-4A40-A035-179F3129EC79}"/>
-              </a:ext>
-            </a:extLst>
-          </p:cNvPr>
-          <p:cNvSpPr>
-            <a:spLocks noGrp="1"/>
-          </p:cNvSpPr>
-          <p:nvPr>
-            <p:ph idx="1"/>
-          </p:nvPr>
-        </p:nvSpPr>
-        <p:spPr>
-          <a:xfrm>
-            <a:off x="864463" y="1812029"/>
-            <a:ext cx="10463074" cy="4351338"/>
-          </a:xfrm>
-        </p:spPr>
-        <p:txBody>
-          <a:bodyPr>
-            <a:normAutofit/>
-          </a:bodyPr>
-          <a:lstStyle/>
-          <a:p>
-            <a:pPr marL="0" indent="0">
-              <a:buNone/>
-            </a:pPr>
-            <a:r>
-              <a:rPr lang="ru-RU" sz="1800" dirty="0"/>
-              <a:t>Проект был создан на языке программирования </a:t>
-            </a:r>
-            <a:r>
-              <a:rPr lang="en-US" sz="1800" dirty="0"/>
-              <a:t>Python</a:t>
-            </a:r>
-            <a:r>
-              <a:rPr lang="ru-RU" sz="1800" dirty="0"/>
-              <a:t> с использованием фреймворка </a:t>
-            </a:r>
-            <a:r>
-              <a:rPr lang="en-US" sz="1800" dirty="0"/>
-              <a:t>Django.</a:t>
-            </a:r>
-            <a:r>
-              <a:rPr lang="ru-RU" sz="1800" dirty="0"/>
-              <a:t> Скелет проекта был написан на </a:t>
-            </a:r>
-            <a:r>
-              <a:rPr lang="en-US" sz="1800" dirty="0"/>
-              <a:t>HTML</a:t>
-            </a:r>
-            <a:r>
-              <a:rPr lang="ru-RU" sz="1800" dirty="0"/>
-              <a:t>, дизайн – </a:t>
-            </a:r>
-            <a:r>
-              <a:rPr lang="en-US" sz="1800" dirty="0"/>
-              <a:t>CSS </a:t>
-            </a:r>
-            <a:r>
-              <a:rPr lang="ru-RU" sz="1800" dirty="0"/>
-              <a:t>и немного </a:t>
-            </a:r>
-            <a:r>
-              <a:rPr lang="en-US" sz="1800" dirty="0"/>
-              <a:t>JS</a:t>
-            </a:r>
-            <a:r>
-              <a:rPr lang="ru-RU" sz="1800" dirty="0"/>
-              <a:t>. Для хранения проекта использовался </a:t>
-            </a:r>
-            <a:r>
-              <a:rPr lang="en-US" sz="1800" dirty="0"/>
-              <a:t>Git</a:t>
-            </a:r>
-          </a:p>
-          <a:p>
-            <a:pPr marL="0" indent="0">
-              <a:buNone/>
-            </a:pPr>
-            <a:r>
-              <a:rPr lang="ru-RU" sz="1800" dirty="0"/>
-              <a:t> </a:t>
+              <a:t>Дизайн. До регистрации</a:t>
             </a:r>
           </a:p>
         </p:txBody>
       </p:sp>
       <p:pic>
         <p:nvPicPr>
-          <p:cNvPr id="1026" name="Picture 2" descr="Что бы я хотел знать когда начинал изучать Django? — очень общий взгляд /  Хабр">
-            <a:extLst>
-              <a:ext uri="{FF2B5EF4-FFF2-40B4-BE49-F238E27FC236}">
-                <a16:creationId xmlns:a16="http://schemas.microsoft.com/office/drawing/2014/main" id="{AE9D0B18-2447-44DE-97F1-806776A822A2}"/>
+          <p:cNvPr id="6" name="Объект 5">
+            <a:extLst>
+              <a:ext uri="{FF2B5EF4-FFF2-40B4-BE49-F238E27FC236}">
+                <a16:creationId xmlns:a16="http://schemas.microsoft.com/office/drawing/2014/main" id="{8430240F-08C8-4823-8728-77B7A9AC63BB}"/>
               </a:ext>
             </a:extLst>
           </p:cNvPr>
           <p:cNvPicPr>
-            <a:picLocks noChangeAspect="1" noChangeArrowheads="1"/>
+            <a:picLocks noGrp="1" noChangeAspect="1"/>
           </p:cNvPicPr>
-          <p:nvPr/>
+          <p:nvPr>
+            <p:ph idx="1"/>
+          </p:nvPr>
         </p:nvPicPr>
         <p:blipFill>
-          <a:blip r:embed="rId2">
+          <a:blip r:embed="rId3">
             <a:extLst>
               <a:ext uri="{28A0092B-C50C-407E-A947-70E740481C1C}">
                 <a14:useLocalDpi xmlns:a14="http://schemas.microsoft.com/office/drawing/2010/main" val="0"/>
               </a:ext>
             </a:extLst>
           </a:blip>
-          <a:srcRect/>
           <a:stretch>
             <a:fillRect/>
           </a:stretch>
         </p:blipFill>
-        <p:spPr bwMode="auto">
-          <a:xfrm>
-            <a:off x="9097087" y="2406536"/>
-            <a:ext cx="2871186" cy="1306390"/>
+        <p:spPr>
+          <a:xfrm>
+            <a:off x="195309" y="1229556"/>
+            <a:ext cx="6345960" cy="2552331"/>
+          </a:xfrm>
+        </p:spPr>
+      </p:pic>
+      <p:sp>
+        <p:nvSpPr>
+          <p:cNvPr id="7" name="TextBox 6">
+            <a:extLst>
+              <a:ext uri="{FF2B5EF4-FFF2-40B4-BE49-F238E27FC236}">
+                <a16:creationId xmlns:a16="http://schemas.microsoft.com/office/drawing/2014/main" id="{DAB78B39-7EC1-431E-9A77-F1F23A95A4D1}"/>
+              </a:ext>
+            </a:extLst>
+          </p:cNvPr>
+          <p:cNvSpPr txBox="1"/>
+          <p:nvPr/>
+        </p:nvSpPr>
+        <p:spPr>
+          <a:xfrm>
+            <a:off x="1622779" y="3781887"/>
+            <a:ext cx="3491020" cy="369332"/>
           </a:xfrm>
           <a:prstGeom prst="rect">
             <a:avLst/>
           </a:prstGeom>
           <a:noFill/>
-          <a:extLst>
-            <a:ext uri="{909E8E84-426E-40DD-AFC4-6F175D3DCCD1}">
-              <a14:hiddenFill xmlns:a14="http://schemas.microsoft.com/office/drawing/2010/main">
-                <a:solidFill>
-                  <a:srgbClr val="FFFFFF"/>
-                </a:solidFill>
-              </a14:hiddenFill>
-            </a:ext>
-          </a:extLst>
-        </p:spPr>
-      </p:pic>
+        </p:spPr>
+        <p:txBody>
+          <a:bodyPr wrap="none" rtlCol="0">
+            <a:spAutoFit/>
+          </a:bodyPr>
+          <a:lstStyle/>
+          <a:p>
+            <a:r>
+              <a:rPr lang="ru-RU" dirty="0"/>
+              <a:t>Главная страница до регистрации</a:t>
+            </a:r>
+          </a:p>
+        </p:txBody>
+      </p:sp>
       <p:pic>
         <p:nvPicPr>
-          <p:cNvPr id="1036" name="Picture 12" descr="Что такое HTML и зачем он нужен - База Знаний Timeweb Community">
-            <a:extLst>
-              <a:ext uri="{FF2B5EF4-FFF2-40B4-BE49-F238E27FC236}">
-                <a16:creationId xmlns:a16="http://schemas.microsoft.com/office/drawing/2014/main" id="{73297C11-9D02-4D69-87D9-177363CD081F}"/>
+          <p:cNvPr id="9" name="Рисунок 8">
+            <a:extLst>
+              <a:ext uri="{FF2B5EF4-FFF2-40B4-BE49-F238E27FC236}">
+                <a16:creationId xmlns:a16="http://schemas.microsoft.com/office/drawing/2014/main" id="{2D7FD4F2-1042-448B-9F76-46B3A791D65E}"/>
               </a:ext>
             </a:extLst>
           </p:cNvPr>
           <p:cNvPicPr>
-            <a:picLocks noChangeAspect="1" noChangeArrowheads="1"/>
-          </p:cNvPicPr>
-          <p:nvPr/>
-        </p:nvPicPr>
-        <p:blipFill rotWithShape="1">
-          <a:blip r:embed="rId3">
-            <a:extLst>
-              <a:ext uri="{28A0092B-C50C-407E-A947-70E740481C1C}">
-                <a14:useLocalDpi xmlns:a14="http://schemas.microsoft.com/office/drawing/2010/main" val="0"/>
-              </a:ext>
-            </a:extLst>
-          </a:blip>
-          <a:srcRect l="29246" t="17276" r="29392"/>
-          <a:stretch/>
-        </p:blipFill>
-        <p:spPr bwMode="auto">
-          <a:xfrm>
-            <a:off x="310902" y="3059731"/>
-            <a:ext cx="1855934" cy="1855935"/>
-          </a:xfrm>
-          <a:prstGeom prst="rect">
-            <a:avLst/>
-          </a:prstGeom>
-          <a:noFill/>
-          <a:extLst>
-            <a:ext uri="{909E8E84-426E-40DD-AFC4-6F175D3DCCD1}">
-              <a14:hiddenFill xmlns:a14="http://schemas.microsoft.com/office/drawing/2010/main">
-                <a:solidFill>
-                  <a:srgbClr val="FFFFFF"/>
-                </a:solidFill>
-              </a14:hiddenFill>
-            </a:ext>
-          </a:extLst>
-        </p:spPr>
-      </p:pic>
-      <p:pic>
-        <p:nvPicPr>
-          <p:cNvPr id="1040" name="Picture 16" descr="JavaScript — Википедия">
-            <a:extLst>
-              <a:ext uri="{FF2B5EF4-FFF2-40B4-BE49-F238E27FC236}">
-                <a16:creationId xmlns:a16="http://schemas.microsoft.com/office/drawing/2014/main" id="{109B6F66-0A81-4C87-AC20-2C1D1EACEB77}"/>
-              </a:ext>
-            </a:extLst>
-          </p:cNvPr>
-          <p:cNvPicPr>
-            <a:picLocks noChangeAspect="1" noChangeArrowheads="1"/>
+            <a:picLocks noChangeAspect="1"/>
           </p:cNvPicPr>
           <p:nvPr/>
         </p:nvPicPr>
@@ -5797,42 +5635,31 @@
               </a:ext>
             </a:extLst>
           </a:blip>
-          <a:srcRect/>
           <a:stretch>
             <a:fillRect/>
           </a:stretch>
         </p:blipFill>
-        <p:spPr bwMode="auto">
-          <a:xfrm>
-            <a:off x="2291675" y="4223223"/>
-            <a:ext cx="2175909" cy="2175909"/>
+        <p:spPr>
+          <a:xfrm>
+            <a:off x="7554896" y="1229556"/>
+            <a:ext cx="4247360" cy="2325371"/>
           </a:xfrm>
           <a:prstGeom prst="rect">
             <a:avLst/>
           </a:prstGeom>
-          <a:noFill/>
-          <a:extLst>
-            <a:ext uri="{909E8E84-426E-40DD-AFC4-6F175D3DCCD1}">
-              <a14:hiddenFill xmlns:a14="http://schemas.microsoft.com/office/drawing/2010/main">
-                <a:solidFill>
-                  <a:srgbClr val="FFFFFF"/>
-                </a:solidFill>
-              </a14:hiddenFill>
-            </a:ext>
-          </a:extLst>
         </p:spPr>
       </p:pic>
       <p:pic>
         <p:nvPicPr>
-          <p:cNvPr id="1030" name="Picture 6" descr="CSS — Википедия">
-            <a:extLst>
-              <a:ext uri="{FF2B5EF4-FFF2-40B4-BE49-F238E27FC236}">
-                <a16:creationId xmlns:a16="http://schemas.microsoft.com/office/drawing/2014/main" id="{D94F090A-ED43-444A-A97A-6641835B8235}"/>
+          <p:cNvPr id="11" name="Рисунок 10">
+            <a:extLst>
+              <a:ext uri="{FF2B5EF4-FFF2-40B4-BE49-F238E27FC236}">
+                <a16:creationId xmlns:a16="http://schemas.microsoft.com/office/drawing/2014/main" id="{5897C9E2-EDC3-4E03-8C69-81B57A07DD15}"/>
               </a:ext>
             </a:extLst>
           </p:cNvPr>
           <p:cNvPicPr>
-            <a:picLocks noChangeAspect="1" noChangeArrowheads="1"/>
+            <a:picLocks noChangeAspect="1"/>
           </p:cNvPicPr>
           <p:nvPr/>
         </p:nvPicPr>
@@ -5844,129 +5671,94 @@
               </a:ext>
             </a:extLst>
           </a:blip>
-          <a:srcRect/>
           <a:stretch>
             <a:fillRect/>
           </a:stretch>
         </p:blipFill>
-        <p:spPr bwMode="auto">
-          <a:xfrm>
-            <a:off x="5005482" y="3541548"/>
-            <a:ext cx="1855934" cy="1855934"/>
+        <p:spPr>
+          <a:xfrm>
+            <a:off x="3698937" y="4528261"/>
+            <a:ext cx="5279152" cy="1739374"/>
+          </a:xfrm>
+          <a:prstGeom prst="rect">
+            <a:avLst/>
+          </a:prstGeom>
+        </p:spPr>
+      </p:pic>
+      <p:sp>
+        <p:nvSpPr>
+          <p:cNvPr id="13" name="TextBox 12">
+            <a:extLst>
+              <a:ext uri="{FF2B5EF4-FFF2-40B4-BE49-F238E27FC236}">
+                <a16:creationId xmlns:a16="http://schemas.microsoft.com/office/drawing/2014/main" id="{FB54D433-0BFD-47BD-8051-D365B144C6C9}"/>
+              </a:ext>
+            </a:extLst>
+          </p:cNvPr>
+          <p:cNvSpPr txBox="1"/>
+          <p:nvPr/>
+        </p:nvSpPr>
+        <p:spPr>
+          <a:xfrm>
+            <a:off x="8476163" y="3244334"/>
+            <a:ext cx="2404826" cy="369332"/>
           </a:xfrm>
           <a:prstGeom prst="rect">
             <a:avLst/>
           </a:prstGeom>
           <a:noFill/>
-          <a:extLst>
-            <a:ext uri="{909E8E84-426E-40DD-AFC4-6F175D3DCCD1}">
-              <a14:hiddenFill xmlns:a14="http://schemas.microsoft.com/office/drawing/2010/main">
-                <a:solidFill>
-                  <a:srgbClr val="FFFFFF"/>
-                </a:solidFill>
-              </a14:hiddenFill>
-            </a:ext>
-          </a:extLst>
-        </p:spPr>
-      </p:pic>
-      <p:pic>
-        <p:nvPicPr>
-          <p:cNvPr id="1044" name="Picture 20" descr="Python (programming language) - Wikipedia">
-            <a:extLst>
-              <a:ext uri="{FF2B5EF4-FFF2-40B4-BE49-F238E27FC236}">
-                <a16:creationId xmlns:a16="http://schemas.microsoft.com/office/drawing/2014/main" id="{9A2BC1F3-EA5F-4C32-B394-9A1A6BADD7C6}"/>
-              </a:ext>
-            </a:extLst>
-          </p:cNvPr>
-          <p:cNvPicPr>
-            <a:picLocks noChangeAspect="1" noChangeArrowheads="1"/>
-          </p:cNvPicPr>
+        </p:spPr>
+        <p:txBody>
+          <a:bodyPr wrap="none" rtlCol="0">
+            <a:spAutoFit/>
+          </a:bodyPr>
+          <a:lstStyle/>
+          <a:p>
+            <a:r>
+              <a:rPr lang="ru-RU" dirty="0"/>
+              <a:t>Страница регистрации</a:t>
+            </a:r>
+          </a:p>
+        </p:txBody>
+      </p:sp>
+      <p:sp>
+        <p:nvSpPr>
+          <p:cNvPr id="14" name="TextBox 13">
+            <a:extLst>
+              <a:ext uri="{FF2B5EF4-FFF2-40B4-BE49-F238E27FC236}">
+                <a16:creationId xmlns:a16="http://schemas.microsoft.com/office/drawing/2014/main" id="{91B5DE56-6CE0-4868-BC9A-E15A09720759}"/>
+              </a:ext>
+            </a:extLst>
+          </p:cNvPr>
+          <p:cNvSpPr txBox="1"/>
           <p:nvPr/>
-        </p:nvPicPr>
-        <p:blipFill>
-          <a:blip r:embed="rId6">
-            <a:extLst>
-              <a:ext uri="{28A0092B-C50C-407E-A947-70E740481C1C}">
-                <a14:useLocalDpi xmlns:a14="http://schemas.microsoft.com/office/drawing/2010/main" val="0"/>
-              </a:ext>
-            </a:extLst>
-          </a:blip>
-          <a:srcRect/>
-          <a:stretch>
-            <a:fillRect/>
-          </a:stretch>
-        </p:blipFill>
-        <p:spPr bwMode="auto">
-          <a:xfrm>
-            <a:off x="7437687" y="3922044"/>
-            <a:ext cx="2310488" cy="2532684"/>
+        </p:nvSpPr>
+        <p:spPr>
+          <a:xfrm>
+            <a:off x="5113799" y="6082969"/>
+            <a:ext cx="2427909" cy="369332"/>
           </a:xfrm>
           <a:prstGeom prst="rect">
             <a:avLst/>
           </a:prstGeom>
           <a:noFill/>
-          <a:extLst>
-            <a:ext uri="{909E8E84-426E-40DD-AFC4-6F175D3DCCD1}">
-              <a14:hiddenFill xmlns:a14="http://schemas.microsoft.com/office/drawing/2010/main">
-                <a:solidFill>
-                  <a:srgbClr val="FFFFFF"/>
-                </a:solidFill>
-              </a14:hiddenFill>
-            </a:ext>
-          </a:extLst>
-        </p:spPr>
-      </p:pic>
-      <p:pic>
-        <p:nvPicPr>
-          <p:cNvPr id="1046" name="Picture 22" descr="Git · GitHub">
-            <a:extLst>
-              <a:ext uri="{FF2B5EF4-FFF2-40B4-BE49-F238E27FC236}">
-                <a16:creationId xmlns:a16="http://schemas.microsoft.com/office/drawing/2014/main" id="{CC8C2A3A-7C7B-414D-A6A2-F5DA5E108922}"/>
-              </a:ext>
-            </a:extLst>
-          </p:cNvPr>
-          <p:cNvPicPr>
-            <a:picLocks noChangeAspect="1" noChangeArrowheads="1"/>
-          </p:cNvPicPr>
-          <p:nvPr/>
-        </p:nvPicPr>
-        <p:blipFill>
-          <a:blip r:embed="rId7">
-            <a:extLst>
-              <a:ext uri="{28A0092B-C50C-407E-A947-70E740481C1C}">
-                <a14:useLocalDpi xmlns:a14="http://schemas.microsoft.com/office/drawing/2010/main" val="0"/>
-              </a:ext>
-            </a:extLst>
-          </a:blip>
-          <a:srcRect/>
-          <a:stretch>
-            <a:fillRect/>
-          </a:stretch>
-        </p:blipFill>
-        <p:spPr bwMode="auto">
-          <a:xfrm>
-            <a:off x="0" y="1189997"/>
-            <a:ext cx="1051723" cy="1051723"/>
-          </a:xfrm>
-          <a:prstGeom prst="rect">
-            <a:avLst/>
-          </a:prstGeom>
-          <a:noFill/>
-          <a:extLst>
-            <a:ext uri="{909E8E84-426E-40DD-AFC4-6F175D3DCCD1}">
-              <a14:hiddenFill xmlns:a14="http://schemas.microsoft.com/office/drawing/2010/main">
-                <a:solidFill>
-                  <a:srgbClr val="FFFFFF"/>
-                </a:solidFill>
-              </a14:hiddenFill>
-            </a:ext>
-          </a:extLst>
-        </p:spPr>
-      </p:pic>
+        </p:spPr>
+        <p:txBody>
+          <a:bodyPr wrap="none" rtlCol="0">
+            <a:spAutoFit/>
+          </a:bodyPr>
+          <a:lstStyle/>
+          <a:p>
+            <a:r>
+              <a:rPr lang="ru-RU" dirty="0"/>
+              <a:t>Страница авторизации</a:t>
+            </a:r>
+          </a:p>
+        </p:txBody>
+      </p:sp>
     </p:spTree>
     <p:extLst>
       <p:ext uri="{BB962C8B-B14F-4D97-AF65-F5344CB8AC3E}">
-        <p14:creationId xmlns:p14="http://schemas.microsoft.com/office/powerpoint/2010/main" val="3981385821"/>
+        <p14:creationId xmlns:p14="http://schemas.microsoft.com/office/powerpoint/2010/main" val="3439997168"/>
       </p:ext>
     </p:extLst>
   </p:cSld>
@@ -6077,17 +5869,17 @@
                 </a:solidFill>
                 <a:latin typeface="Bahnschrift" panose="020B0502040204020203" pitchFamily="34" charset="0"/>
               </a:rPr>
-              <a:t>Дизайн. До регистрации</a:t>
+              <a:t>Дизайн. Главная страница</a:t>
             </a:r>
           </a:p>
         </p:txBody>
       </p:sp>
       <p:pic>
         <p:nvPicPr>
-          <p:cNvPr id="6" name="Объект 5">
-            <a:extLst>
-              <a:ext uri="{FF2B5EF4-FFF2-40B4-BE49-F238E27FC236}">
-                <a16:creationId xmlns:a16="http://schemas.microsoft.com/office/drawing/2014/main" id="{8430240F-08C8-4823-8728-77B7A9AC63BB}"/>
+          <p:cNvPr id="10" name="Объект 9">
+            <a:extLst>
+              <a:ext uri="{FF2B5EF4-FFF2-40B4-BE49-F238E27FC236}">
+                <a16:creationId xmlns:a16="http://schemas.microsoft.com/office/drawing/2014/main" id="{6758426C-075E-43B4-AE87-888EC57689E9}"/>
               </a:ext>
             </a:extLst>
           </p:cNvPr>
@@ -6112,52 +5904,17 @@
         </p:blipFill>
         <p:spPr>
           <a:xfrm>
-            <a:off x="195309" y="1229556"/>
-            <a:ext cx="6345960" cy="2552331"/>
+            <a:off x="186431" y="1291700"/>
+            <a:ext cx="8345485" cy="3235912"/>
           </a:xfrm>
         </p:spPr>
       </p:pic>
-      <p:sp>
-        <p:nvSpPr>
-          <p:cNvPr id="7" name="TextBox 6">
-            <a:extLst>
-              <a:ext uri="{FF2B5EF4-FFF2-40B4-BE49-F238E27FC236}">
-                <a16:creationId xmlns:a16="http://schemas.microsoft.com/office/drawing/2014/main" id="{DAB78B39-7EC1-431E-9A77-F1F23A95A4D1}"/>
-              </a:ext>
-            </a:extLst>
-          </p:cNvPr>
-          <p:cNvSpPr txBox="1"/>
-          <p:nvPr/>
-        </p:nvSpPr>
-        <p:spPr>
-          <a:xfrm>
-            <a:off x="1622779" y="3781887"/>
-            <a:ext cx="3491020" cy="369332"/>
-          </a:xfrm>
-          <a:prstGeom prst="rect">
-            <a:avLst/>
-          </a:prstGeom>
-          <a:noFill/>
-        </p:spPr>
-        <p:txBody>
-          <a:bodyPr wrap="none" rtlCol="0">
-            <a:spAutoFit/>
-          </a:bodyPr>
-          <a:lstStyle/>
-          <a:p>
-            <a:r>
-              <a:rPr lang="ru-RU" dirty="0"/>
-              <a:t>Главная страница до регистрации</a:t>
-            </a:r>
-          </a:p>
-        </p:txBody>
-      </p:sp>
       <p:pic>
         <p:nvPicPr>
-          <p:cNvPr id="9" name="Рисунок 8">
-            <a:extLst>
-              <a:ext uri="{FF2B5EF4-FFF2-40B4-BE49-F238E27FC236}">
-                <a16:creationId xmlns:a16="http://schemas.microsoft.com/office/drawing/2014/main" id="{2D7FD4F2-1042-448B-9F76-46B3A791D65E}"/>
+          <p:cNvPr id="15" name="Рисунок 14">
+            <a:extLst>
+              <a:ext uri="{FF2B5EF4-FFF2-40B4-BE49-F238E27FC236}">
+                <a16:creationId xmlns:a16="http://schemas.microsoft.com/office/drawing/2014/main" id="{249743F8-A25E-45AB-AE9B-6808936E5D88}"/>
               </a:ext>
             </a:extLst>
           </p:cNvPr>
@@ -6180,56 +5937,20 @@
         </p:blipFill>
         <p:spPr>
           <a:xfrm>
-            <a:off x="7554896" y="1229556"/>
-            <a:ext cx="4247360" cy="2325371"/>
+            <a:off x="6105926" y="3586579"/>
+            <a:ext cx="5899644" cy="2658223"/>
           </a:xfrm>
           <a:prstGeom prst="rect">
             <a:avLst/>
           </a:prstGeom>
         </p:spPr>
       </p:pic>
-      <p:pic>
-        <p:nvPicPr>
-          <p:cNvPr id="11" name="Рисунок 10">
-            <a:extLst>
-              <a:ext uri="{FF2B5EF4-FFF2-40B4-BE49-F238E27FC236}">
-                <a16:creationId xmlns:a16="http://schemas.microsoft.com/office/drawing/2014/main" id="{5897C9E2-EDC3-4E03-8C69-81B57A07DD15}"/>
-              </a:ext>
-            </a:extLst>
-          </p:cNvPr>
-          <p:cNvPicPr>
-            <a:picLocks noChangeAspect="1"/>
-          </p:cNvPicPr>
-          <p:nvPr/>
-        </p:nvPicPr>
-        <p:blipFill>
-          <a:blip r:embed="rId5">
-            <a:extLst>
-              <a:ext uri="{28A0092B-C50C-407E-A947-70E740481C1C}">
-                <a14:useLocalDpi xmlns:a14="http://schemas.microsoft.com/office/drawing/2010/main" val="0"/>
-              </a:ext>
-            </a:extLst>
-          </a:blip>
-          <a:stretch>
-            <a:fillRect/>
-          </a:stretch>
-        </p:blipFill>
-        <p:spPr>
-          <a:xfrm>
-            <a:off x="3698937" y="4528261"/>
-            <a:ext cx="5279152" cy="1739374"/>
-          </a:xfrm>
-          <a:prstGeom prst="rect">
-            <a:avLst/>
-          </a:prstGeom>
-        </p:spPr>
-      </p:pic>
-      <p:sp>
-        <p:nvSpPr>
-          <p:cNvPr id="13" name="TextBox 12">
-            <a:extLst>
-              <a:ext uri="{FF2B5EF4-FFF2-40B4-BE49-F238E27FC236}">
-                <a16:creationId xmlns:a16="http://schemas.microsoft.com/office/drawing/2014/main" id="{FB54D433-0BFD-47BD-8051-D365B144C6C9}"/>
+      <p:sp>
+        <p:nvSpPr>
+          <p:cNvPr id="16" name="TextBox 15">
+            <a:extLst>
+              <a:ext uri="{FF2B5EF4-FFF2-40B4-BE49-F238E27FC236}">
+                <a16:creationId xmlns:a16="http://schemas.microsoft.com/office/drawing/2014/main" id="{1663DAA4-7216-40F5-B80D-3496000B7346}"/>
               </a:ext>
             </a:extLst>
           </p:cNvPr>
@@ -6238,8 +5959,8 @@
         </p:nvSpPr>
         <p:spPr>
           <a:xfrm>
-            <a:off x="8476163" y="3244334"/>
-            <a:ext cx="2404826" cy="369332"/>
+            <a:off x="406538" y="4489427"/>
+            <a:ext cx="3815468" cy="369332"/>
           </a:xfrm>
           <a:prstGeom prst="rect">
             <a:avLst/>
@@ -6254,17 +5975,17 @@
           <a:p>
             <a:r>
               <a:rPr lang="ru-RU" dirty="0"/>
-              <a:t>Страница регистрации</a:t>
-            </a:r>
-          </a:p>
-        </p:txBody>
-      </p:sp>
-      <p:sp>
-        <p:nvSpPr>
-          <p:cNvPr id="14" name="TextBox 13">
-            <a:extLst>
-              <a:ext uri="{FF2B5EF4-FFF2-40B4-BE49-F238E27FC236}">
-                <a16:creationId xmlns:a16="http://schemas.microsoft.com/office/drawing/2014/main" id="{91B5DE56-6CE0-4868-BC9A-E15A09720759}"/>
+              <a:t>Главная страница после регистрации</a:t>
+            </a:r>
+          </a:p>
+        </p:txBody>
+      </p:sp>
+      <p:sp>
+        <p:nvSpPr>
+          <p:cNvPr id="17" name="TextBox 16">
+            <a:extLst>
+              <a:ext uri="{FF2B5EF4-FFF2-40B4-BE49-F238E27FC236}">
+                <a16:creationId xmlns:a16="http://schemas.microsoft.com/office/drawing/2014/main" id="{EC4C3A81-31E3-45CA-B440-6DE1120E60F7}"/>
               </a:ext>
             </a:extLst>
           </p:cNvPr>
@@ -6273,8 +5994,8 @@
         </p:nvSpPr>
         <p:spPr>
           <a:xfrm>
-            <a:off x="5113799" y="6082969"/>
-            <a:ext cx="2427909" cy="369332"/>
+            <a:off x="7450587" y="6244802"/>
+            <a:ext cx="3629455" cy="369332"/>
           </a:xfrm>
           <a:prstGeom prst="rect">
             <a:avLst/>
@@ -6289,7 +6010,7 @@
           <a:p>
             <a:r>
               <a:rPr lang="ru-RU" dirty="0"/>
-              <a:t>Страница авторизации</a:t>
+              <a:t>Комментарии на главной странице</a:t>
             </a:r>
           </a:p>
         </p:txBody>
@@ -6297,7 +6018,7 @@
     </p:spTree>
     <p:extLst>
       <p:ext uri="{BB962C8B-B14F-4D97-AF65-F5344CB8AC3E}">
-        <p14:creationId xmlns:p14="http://schemas.microsoft.com/office/powerpoint/2010/main" val="3439997168"/>
+        <p14:creationId xmlns:p14="http://schemas.microsoft.com/office/powerpoint/2010/main" val="1826380456"/>
       </p:ext>
     </p:extLst>
   </p:cSld>
@@ -6326,10 +6047,10 @@
       </p:grpSpPr>
       <p:sp>
         <p:nvSpPr>
-          <p:cNvPr id="4" name="Прямоугольник 3">
-            <a:extLst>
-              <a:ext uri="{FF2B5EF4-FFF2-40B4-BE49-F238E27FC236}">
-                <a16:creationId xmlns:a16="http://schemas.microsoft.com/office/drawing/2014/main" id="{1B118346-5443-4068-BC83-058CEBC4AD70}"/>
+          <p:cNvPr id="12" name="Прямоугольник 11">
+            <a:extLst>
+              <a:ext uri="{FF2B5EF4-FFF2-40B4-BE49-F238E27FC236}">
+                <a16:creationId xmlns:a16="http://schemas.microsoft.com/office/drawing/2014/main" id="{8A8E38A1-A7DF-4D05-8F9A-CD2FAA57B92F}"/>
               </a:ext>
             </a:extLst>
           </p:cNvPr>
@@ -6338,14 +6059,14 @@
         </p:nvSpPr>
         <p:spPr>
           <a:xfrm>
-            <a:off x="0" y="0"/>
-            <a:ext cx="12192000" cy="1145219"/>
+            <a:off x="0" y="1145219"/>
+            <a:ext cx="12192000" cy="5712781"/>
           </a:xfrm>
           <a:prstGeom prst="rect">
             <a:avLst/>
           </a:prstGeom>
           <a:solidFill>
-            <a:srgbClr val="FF0078"/>
+            <a:srgbClr val="3CB8E8"/>
           </a:solidFill>
         </p:spPr>
         <p:style>
@@ -6373,6 +6094,91 @@
           </a:p>
         </p:txBody>
       </p:sp>
+      <p:pic>
+        <p:nvPicPr>
+          <p:cNvPr id="11" name="Рисунок 10">
+            <a:extLst>
+              <a:ext uri="{FF2B5EF4-FFF2-40B4-BE49-F238E27FC236}">
+                <a16:creationId xmlns:a16="http://schemas.microsoft.com/office/drawing/2014/main" id="{DDA1C9F0-BDB1-4442-82D5-89EF50D1E812}"/>
+              </a:ext>
+            </a:extLst>
+          </p:cNvPr>
+          <p:cNvPicPr>
+            <a:picLocks noChangeAspect="1"/>
+          </p:cNvPicPr>
+          <p:nvPr/>
+        </p:nvPicPr>
+        <p:blipFill>
+          <a:blip r:embed="rId3">
+            <a:extLst>
+              <a:ext uri="{28A0092B-C50C-407E-A947-70E740481C1C}">
+                <a14:useLocalDpi xmlns:a14="http://schemas.microsoft.com/office/drawing/2010/main" val="0"/>
+              </a:ext>
+            </a:extLst>
+          </a:blip>
+          <a:stretch>
+            <a:fillRect/>
+          </a:stretch>
+        </p:blipFill>
+        <p:spPr>
+          <a:xfrm>
+            <a:off x="7544685" y="1225117"/>
+            <a:ext cx="4508594" cy="1922016"/>
+          </a:xfrm>
+          <a:prstGeom prst="rect">
+            <a:avLst/>
+          </a:prstGeom>
+        </p:spPr>
+      </p:pic>
+      <p:sp>
+        <p:nvSpPr>
+          <p:cNvPr id="4" name="Прямоугольник 3">
+            <a:extLst>
+              <a:ext uri="{FF2B5EF4-FFF2-40B4-BE49-F238E27FC236}">
+                <a16:creationId xmlns:a16="http://schemas.microsoft.com/office/drawing/2014/main" id="{1B118346-5443-4068-BC83-058CEBC4AD70}"/>
+              </a:ext>
+            </a:extLst>
+          </p:cNvPr>
+          <p:cNvSpPr/>
+          <p:nvPr/>
+        </p:nvSpPr>
+        <p:spPr>
+          <a:xfrm>
+            <a:off x="0" y="0"/>
+            <a:ext cx="12192000" cy="1145219"/>
+          </a:xfrm>
+          <a:prstGeom prst="rect">
+            <a:avLst/>
+          </a:prstGeom>
+          <a:solidFill>
+            <a:srgbClr val="FF0078"/>
+          </a:solidFill>
+        </p:spPr>
+        <p:style>
+          <a:lnRef idx="2">
+            <a:schemeClr val="accent1">
+              <a:shade val="50000"/>
+            </a:schemeClr>
+          </a:lnRef>
+          <a:fillRef idx="1">
+            <a:schemeClr val="accent1"/>
+          </a:fillRef>
+          <a:effectRef idx="0">
+            <a:schemeClr val="accent1"/>
+          </a:effectRef>
+          <a:fontRef idx="minor">
+            <a:schemeClr val="lt1"/>
+          </a:fontRef>
+        </p:style>
+        <p:txBody>
+          <a:bodyPr rtlCol="0" anchor="ctr"/>
+          <a:lstStyle/>
+          <a:p>
+            <a:pPr algn="ctr"/>
+            <a:endParaRPr lang="ru-RU"/>
+          </a:p>
+        </p:txBody>
+      </p:sp>
       <p:sp>
         <p:nvSpPr>
           <p:cNvPr id="2" name="Заголовок 1">
@@ -6408,17 +6214,17 @@
                 </a:solidFill>
                 <a:latin typeface="Bahnschrift" panose="020B0502040204020203" pitchFamily="34" charset="0"/>
               </a:rPr>
-              <a:t>Дизайн. Главная страница</a:t>
+              <a:t>Дизайн. Пользователь</a:t>
             </a:r>
           </a:p>
         </p:txBody>
       </p:sp>
       <p:pic>
         <p:nvPicPr>
-          <p:cNvPr id="10" name="Объект 9">
-            <a:extLst>
-              <a:ext uri="{FF2B5EF4-FFF2-40B4-BE49-F238E27FC236}">
-                <a16:creationId xmlns:a16="http://schemas.microsoft.com/office/drawing/2014/main" id="{6758426C-075E-43B4-AE87-888EC57689E9}"/>
+          <p:cNvPr id="7" name="Объект 6">
+            <a:extLst>
+              <a:ext uri="{FF2B5EF4-FFF2-40B4-BE49-F238E27FC236}">
+                <a16:creationId xmlns:a16="http://schemas.microsoft.com/office/drawing/2014/main" id="{D6D7CCFA-0384-4392-9DEB-E76CAAAC174B}"/>
               </a:ext>
             </a:extLst>
           </p:cNvPr>
@@ -6430,7 +6236,7 @@
           </p:nvPr>
         </p:nvPicPr>
         <p:blipFill>
-          <a:blip r:embed="rId3">
+          <a:blip r:embed="rId4">
             <a:extLst>
               <a:ext uri="{28A0092B-C50C-407E-A947-70E740481C1C}">
                 <a14:useLocalDpi xmlns:a14="http://schemas.microsoft.com/office/drawing/2010/main" val="0"/>
@@ -6443,53 +6249,17 @@
         </p:blipFill>
         <p:spPr>
           <a:xfrm>
-            <a:off x="186431" y="1291700"/>
-            <a:ext cx="8345485" cy="3235912"/>
+            <a:off x="138721" y="2976759"/>
+            <a:ext cx="7670482" cy="3487345"/>
           </a:xfrm>
         </p:spPr>
       </p:pic>
-      <p:pic>
-        <p:nvPicPr>
-          <p:cNvPr id="15" name="Рисунок 14">
-            <a:extLst>
-              <a:ext uri="{FF2B5EF4-FFF2-40B4-BE49-F238E27FC236}">
-                <a16:creationId xmlns:a16="http://schemas.microsoft.com/office/drawing/2014/main" id="{249743F8-A25E-45AB-AE9B-6808936E5D88}"/>
-              </a:ext>
-            </a:extLst>
-          </p:cNvPr>
-          <p:cNvPicPr>
-            <a:picLocks noChangeAspect="1"/>
-          </p:cNvPicPr>
-          <p:nvPr/>
-        </p:nvPicPr>
-        <p:blipFill>
-          <a:blip r:embed="rId4">
-            <a:extLst>
-              <a:ext uri="{28A0092B-C50C-407E-A947-70E740481C1C}">
-                <a14:useLocalDpi xmlns:a14="http://schemas.microsoft.com/office/drawing/2010/main" val="0"/>
-              </a:ext>
-            </a:extLst>
-          </a:blip>
-          <a:stretch>
-            <a:fillRect/>
-          </a:stretch>
-        </p:blipFill>
-        <p:spPr>
-          <a:xfrm>
-            <a:off x="6105926" y="3586579"/>
-            <a:ext cx="5899644" cy="2658223"/>
-          </a:xfrm>
-          <a:prstGeom prst="rect">
-            <a:avLst/>
-          </a:prstGeom>
-        </p:spPr>
-      </p:pic>
-      <p:sp>
-        <p:nvSpPr>
-          <p:cNvPr id="16" name="TextBox 15">
-            <a:extLst>
-              <a:ext uri="{FF2B5EF4-FFF2-40B4-BE49-F238E27FC236}">
-                <a16:creationId xmlns:a16="http://schemas.microsoft.com/office/drawing/2014/main" id="{1663DAA4-7216-40F5-B80D-3496000B7346}"/>
+      <p:sp>
+        <p:nvSpPr>
+          <p:cNvPr id="8" name="TextBox 7">
+            <a:extLst>
+              <a:ext uri="{FF2B5EF4-FFF2-40B4-BE49-F238E27FC236}">
+                <a16:creationId xmlns:a16="http://schemas.microsoft.com/office/drawing/2014/main" id="{6EC086E9-A9CB-4759-A742-004E205D88E1}"/>
               </a:ext>
             </a:extLst>
           </p:cNvPr>
@@ -6498,8 +6268,8 @@
         </p:nvSpPr>
         <p:spPr>
           <a:xfrm>
-            <a:off x="406538" y="4489427"/>
-            <a:ext cx="3815468" cy="369332"/>
+            <a:off x="138721" y="2645611"/>
+            <a:ext cx="2496517" cy="369332"/>
           </a:xfrm>
           <a:prstGeom prst="rect">
             <a:avLst/>
@@ -6514,17 +6284,17 @@
           <a:p>
             <a:r>
               <a:rPr lang="ru-RU" dirty="0"/>
-              <a:t>Главная страница после регистрации</a:t>
-            </a:r>
-          </a:p>
-        </p:txBody>
-      </p:sp>
-      <p:sp>
-        <p:nvSpPr>
-          <p:cNvPr id="17" name="TextBox 16">
-            <a:extLst>
-              <a:ext uri="{FF2B5EF4-FFF2-40B4-BE49-F238E27FC236}">
-                <a16:creationId xmlns:a16="http://schemas.microsoft.com/office/drawing/2014/main" id="{EC4C3A81-31E3-45CA-B440-6DE1120E60F7}"/>
+              <a:t>Страница пользователя</a:t>
+            </a:r>
+          </a:p>
+        </p:txBody>
+      </p:sp>
+      <p:sp>
+        <p:nvSpPr>
+          <p:cNvPr id="18" name="TextBox 17">
+            <a:extLst>
+              <a:ext uri="{FF2B5EF4-FFF2-40B4-BE49-F238E27FC236}">
+                <a16:creationId xmlns:a16="http://schemas.microsoft.com/office/drawing/2014/main" id="{CE5BFB36-3FBA-4BCA-A807-A9FC5DCE7D99}"/>
               </a:ext>
             </a:extLst>
           </p:cNvPr>
@@ -6533,8 +6303,8 @@
         </p:nvSpPr>
         <p:spPr>
           <a:xfrm>
-            <a:off x="7450587" y="6244802"/>
-            <a:ext cx="3629455" cy="369332"/>
+            <a:off x="4882353" y="1341417"/>
+            <a:ext cx="2662332" cy="369332"/>
           </a:xfrm>
           <a:prstGeom prst="rect">
             <a:avLst/>
@@ -6549,7 +6319,7 @@
           <a:p>
             <a:r>
               <a:rPr lang="ru-RU" dirty="0"/>
-              <a:t>Комментарии на главной странице</a:t>
+              <a:t>Страница загрузки видео</a:t>
             </a:r>
           </a:p>
         </p:txBody>
@@ -6557,7 +6327,7 @@
     </p:spTree>
     <p:extLst>
       <p:ext uri="{BB962C8B-B14F-4D97-AF65-F5344CB8AC3E}">
-        <p14:creationId xmlns:p14="http://schemas.microsoft.com/office/powerpoint/2010/main" val="1826380456"/>
+        <p14:creationId xmlns:p14="http://schemas.microsoft.com/office/powerpoint/2010/main" val="2387217200"/>
       </p:ext>
     </p:extLst>
   </p:cSld>
@@ -6586,10 +6356,10 @@
       </p:grpSpPr>
       <p:sp>
         <p:nvSpPr>
-          <p:cNvPr id="12" name="Прямоугольник 11">
-            <a:extLst>
-              <a:ext uri="{FF2B5EF4-FFF2-40B4-BE49-F238E27FC236}">
-                <a16:creationId xmlns:a16="http://schemas.microsoft.com/office/drawing/2014/main" id="{8A8E38A1-A7DF-4D05-8F9A-CD2FAA57B92F}"/>
+          <p:cNvPr id="17" name="Прямоугольник 16">
+            <a:extLst>
+              <a:ext uri="{FF2B5EF4-FFF2-40B4-BE49-F238E27FC236}">
+                <a16:creationId xmlns:a16="http://schemas.microsoft.com/office/drawing/2014/main" id="{DA26A2FF-1AE7-4FFC-A6EB-9EBDF90A2F41}"/>
               </a:ext>
             </a:extLst>
           </p:cNvPr>
@@ -6598,14 +6368,14 @@
         </p:nvSpPr>
         <p:spPr>
           <a:xfrm>
-            <a:off x="0" y="1145219"/>
-            <a:ext cx="12192000" cy="5712781"/>
+            <a:off x="0" y="998737"/>
+            <a:ext cx="1784412" cy="5925846"/>
           </a:xfrm>
           <a:prstGeom prst="rect">
             <a:avLst/>
           </a:prstGeom>
           <a:solidFill>
-            <a:srgbClr val="3CB8E8"/>
+            <a:srgbClr val="FAFAFC"/>
           </a:solidFill>
         </p:spPr>
         <p:style>
@@ -6633,48 +6403,12 @@
           </a:p>
         </p:txBody>
       </p:sp>
-      <p:pic>
-        <p:nvPicPr>
-          <p:cNvPr id="11" name="Рисунок 10">
-            <a:extLst>
-              <a:ext uri="{FF2B5EF4-FFF2-40B4-BE49-F238E27FC236}">
-                <a16:creationId xmlns:a16="http://schemas.microsoft.com/office/drawing/2014/main" id="{DDA1C9F0-BDB1-4442-82D5-89EF50D1E812}"/>
-              </a:ext>
-            </a:extLst>
-          </p:cNvPr>
-          <p:cNvPicPr>
-            <a:picLocks noChangeAspect="1"/>
-          </p:cNvPicPr>
-          <p:nvPr/>
-        </p:nvPicPr>
-        <p:blipFill>
-          <a:blip r:embed="rId3">
-            <a:extLst>
-              <a:ext uri="{28A0092B-C50C-407E-A947-70E740481C1C}">
-                <a14:useLocalDpi xmlns:a14="http://schemas.microsoft.com/office/drawing/2010/main" val="0"/>
-              </a:ext>
-            </a:extLst>
-          </a:blip>
-          <a:stretch>
-            <a:fillRect/>
-          </a:stretch>
-        </p:blipFill>
-        <p:spPr>
-          <a:xfrm>
-            <a:off x="7544685" y="1225117"/>
-            <a:ext cx="4508594" cy="1922016"/>
-          </a:xfrm>
-          <a:prstGeom prst="rect">
-            <a:avLst/>
-          </a:prstGeom>
-        </p:spPr>
-      </p:pic>
-      <p:sp>
-        <p:nvSpPr>
-          <p:cNvPr id="4" name="Прямоугольник 3">
-            <a:extLst>
-              <a:ext uri="{FF2B5EF4-FFF2-40B4-BE49-F238E27FC236}">
-                <a16:creationId xmlns:a16="http://schemas.microsoft.com/office/drawing/2014/main" id="{1B118346-5443-4068-BC83-058CEBC4AD70}"/>
+      <p:sp>
+        <p:nvSpPr>
+          <p:cNvPr id="18" name="Прямоугольник 17">
+            <a:extLst>
+              <a:ext uri="{FF2B5EF4-FFF2-40B4-BE49-F238E27FC236}">
+                <a16:creationId xmlns:a16="http://schemas.microsoft.com/office/drawing/2014/main" id="{BC265D6C-2960-41CA-B823-93C7A8C00E0E}"/>
               </a:ext>
             </a:extLst>
           </p:cNvPr>
@@ -6683,14 +6417,14 @@
         </p:nvSpPr>
         <p:spPr>
           <a:xfrm>
-            <a:off x="0" y="0"/>
-            <a:ext cx="12192000" cy="1145219"/>
+            <a:off x="10484529" y="843379"/>
+            <a:ext cx="1707471" cy="6196613"/>
           </a:xfrm>
           <a:prstGeom prst="rect">
             <a:avLst/>
           </a:prstGeom>
           <a:solidFill>
-            <a:srgbClr val="FF0078"/>
+            <a:srgbClr val="FAFAFC"/>
           </a:solidFill>
         </p:spPr>
         <p:style>
@@ -6718,6 +6452,84 @@
           </a:p>
         </p:txBody>
       </p:sp>
+      <p:pic>
+        <p:nvPicPr>
+          <p:cNvPr id="16" name="Объект 15">
+            <a:extLst>
+              <a:ext uri="{FF2B5EF4-FFF2-40B4-BE49-F238E27FC236}">
+                <a16:creationId xmlns:a16="http://schemas.microsoft.com/office/drawing/2014/main" id="{9A249F5A-D468-4AE7-B692-197AF3C83FE6}"/>
+              </a:ext>
+            </a:extLst>
+          </p:cNvPr>
+          <p:cNvPicPr>
+            <a:picLocks noGrp="1" noChangeAspect="1"/>
+          </p:cNvPicPr>
+          <p:nvPr>
+            <p:ph idx="1"/>
+          </p:nvPr>
+        </p:nvPicPr>
+        <p:blipFill>
+          <a:blip r:embed="rId2"/>
+          <a:stretch>
+            <a:fillRect/>
+          </a:stretch>
+        </p:blipFill>
+        <p:spPr>
+          <a:xfrm>
+            <a:off x="1642232" y="1145217"/>
+            <a:ext cx="8907535" cy="5712783"/>
+          </a:xfrm>
+        </p:spPr>
+      </p:pic>
+      <p:sp>
+        <p:nvSpPr>
+          <p:cNvPr id="4" name="Прямоугольник 3">
+            <a:extLst>
+              <a:ext uri="{FF2B5EF4-FFF2-40B4-BE49-F238E27FC236}">
+                <a16:creationId xmlns:a16="http://schemas.microsoft.com/office/drawing/2014/main" id="{1B118346-5443-4068-BC83-058CEBC4AD70}"/>
+              </a:ext>
+            </a:extLst>
+          </p:cNvPr>
+          <p:cNvSpPr/>
+          <p:nvPr/>
+        </p:nvSpPr>
+        <p:spPr>
+          <a:xfrm>
+            <a:off x="0" y="0"/>
+            <a:ext cx="12192000" cy="1145219"/>
+          </a:xfrm>
+          <a:prstGeom prst="rect">
+            <a:avLst/>
+          </a:prstGeom>
+          <a:solidFill>
+            <a:srgbClr val="FF0078"/>
+          </a:solidFill>
+        </p:spPr>
+        <p:style>
+          <a:lnRef idx="2">
+            <a:schemeClr val="accent1">
+              <a:shade val="50000"/>
+            </a:schemeClr>
+          </a:lnRef>
+          <a:fillRef idx="1">
+            <a:schemeClr val="accent1"/>
+          </a:fillRef>
+          <a:effectRef idx="0">
+            <a:schemeClr val="accent1"/>
+          </a:effectRef>
+          <a:fontRef idx="minor">
+            <a:schemeClr val="lt1"/>
+          </a:fontRef>
+        </p:style>
+        <p:txBody>
+          <a:bodyPr rtlCol="0" anchor="ctr"/>
+          <a:lstStyle/>
+          <a:p>
+            <a:pPr algn="ctr"/>
+            <a:endParaRPr lang="ru-RU"/>
+          </a:p>
+        </p:txBody>
+      </p:sp>
       <p:sp>
         <p:nvSpPr>
           <p:cNvPr id="2" name="Заголовок 1">
@@ -6753,112 +6565,7 @@
                 </a:solidFill>
                 <a:latin typeface="Bahnschrift" panose="020B0502040204020203" pitchFamily="34" charset="0"/>
               </a:rPr>
-              <a:t>Дизайн. Пользователь</a:t>
-            </a:r>
-          </a:p>
-        </p:txBody>
-      </p:sp>
-      <p:pic>
-        <p:nvPicPr>
-          <p:cNvPr id="7" name="Объект 6">
-            <a:extLst>
-              <a:ext uri="{FF2B5EF4-FFF2-40B4-BE49-F238E27FC236}">
-                <a16:creationId xmlns:a16="http://schemas.microsoft.com/office/drawing/2014/main" id="{D6D7CCFA-0384-4392-9DEB-E76CAAAC174B}"/>
-              </a:ext>
-            </a:extLst>
-          </p:cNvPr>
-          <p:cNvPicPr>
-            <a:picLocks noGrp="1" noChangeAspect="1"/>
-          </p:cNvPicPr>
-          <p:nvPr>
-            <p:ph idx="1"/>
-          </p:nvPr>
-        </p:nvPicPr>
-        <p:blipFill>
-          <a:blip r:embed="rId4">
-            <a:extLst>
-              <a:ext uri="{28A0092B-C50C-407E-A947-70E740481C1C}">
-                <a14:useLocalDpi xmlns:a14="http://schemas.microsoft.com/office/drawing/2010/main" val="0"/>
-              </a:ext>
-            </a:extLst>
-          </a:blip>
-          <a:stretch>
-            <a:fillRect/>
-          </a:stretch>
-        </p:blipFill>
-        <p:spPr>
-          <a:xfrm>
-            <a:off x="138721" y="2976759"/>
-            <a:ext cx="7670482" cy="3487345"/>
-          </a:xfrm>
-        </p:spPr>
-      </p:pic>
-      <p:sp>
-        <p:nvSpPr>
-          <p:cNvPr id="8" name="TextBox 7">
-            <a:extLst>
-              <a:ext uri="{FF2B5EF4-FFF2-40B4-BE49-F238E27FC236}">
-                <a16:creationId xmlns:a16="http://schemas.microsoft.com/office/drawing/2014/main" id="{6EC086E9-A9CB-4759-A742-004E205D88E1}"/>
-              </a:ext>
-            </a:extLst>
-          </p:cNvPr>
-          <p:cNvSpPr txBox="1"/>
-          <p:nvPr/>
-        </p:nvSpPr>
-        <p:spPr>
-          <a:xfrm>
-            <a:off x="138721" y="2645611"/>
-            <a:ext cx="2496517" cy="369332"/>
-          </a:xfrm>
-          <a:prstGeom prst="rect">
-            <a:avLst/>
-          </a:prstGeom>
-          <a:noFill/>
-        </p:spPr>
-        <p:txBody>
-          <a:bodyPr wrap="none" rtlCol="0">
-            <a:spAutoFit/>
-          </a:bodyPr>
-          <a:lstStyle/>
-          <a:p>
-            <a:r>
-              <a:rPr lang="ru-RU" dirty="0"/>
-              <a:t>Страница пользователя</a:t>
-            </a:r>
-          </a:p>
-        </p:txBody>
-      </p:sp>
-      <p:sp>
-        <p:nvSpPr>
-          <p:cNvPr id="18" name="TextBox 17">
-            <a:extLst>
-              <a:ext uri="{FF2B5EF4-FFF2-40B4-BE49-F238E27FC236}">
-                <a16:creationId xmlns:a16="http://schemas.microsoft.com/office/drawing/2014/main" id="{CE5BFB36-3FBA-4BCA-A807-A9FC5DCE7D99}"/>
-              </a:ext>
-            </a:extLst>
-          </p:cNvPr>
-          <p:cNvSpPr txBox="1"/>
-          <p:nvPr/>
-        </p:nvSpPr>
-        <p:spPr>
-          <a:xfrm>
-            <a:off x="4882353" y="1341417"/>
-            <a:ext cx="2662332" cy="369332"/>
-          </a:xfrm>
-          <a:prstGeom prst="rect">
-            <a:avLst/>
-          </a:prstGeom>
-          <a:noFill/>
-        </p:spPr>
-        <p:txBody>
-          <a:bodyPr wrap="none" rtlCol="0">
-            <a:spAutoFit/>
-          </a:bodyPr>
-          <a:lstStyle/>
-          <a:p>
-            <a:r>
-              <a:rPr lang="ru-RU" dirty="0"/>
-              <a:t>Страница загрузки видео</a:t>
+              <a:t>База данных</a:t>
             </a:r>
           </a:p>
         </p:txBody>
@@ -6866,7 +6573,7 @@
     </p:spTree>
     <p:extLst>
       <p:ext uri="{BB962C8B-B14F-4D97-AF65-F5344CB8AC3E}">
-        <p14:creationId xmlns:p14="http://schemas.microsoft.com/office/powerpoint/2010/main" val="2387217200"/>
+        <p14:creationId xmlns:p14="http://schemas.microsoft.com/office/powerpoint/2010/main" val="3269576829"/>
       </p:ext>
     </p:extLst>
   </p:cSld>
@@ -6895,10 +6602,10 @@
       </p:grpSpPr>
       <p:sp>
         <p:nvSpPr>
-          <p:cNvPr id="7" name="Прямоугольник 6">
-            <a:extLst>
-              <a:ext uri="{FF2B5EF4-FFF2-40B4-BE49-F238E27FC236}">
-                <a16:creationId xmlns:a16="http://schemas.microsoft.com/office/drawing/2014/main" id="{2C662B3F-5FB0-4EC8-9292-45B7737F02FD}"/>
+          <p:cNvPr id="4" name="Прямоугольник 3">
+            <a:extLst>
+              <a:ext uri="{FF2B5EF4-FFF2-40B4-BE49-F238E27FC236}">
+                <a16:creationId xmlns:a16="http://schemas.microsoft.com/office/drawing/2014/main" id="{1B118346-5443-4068-BC83-058CEBC4AD70}"/>
               </a:ext>
             </a:extLst>
           </p:cNvPr>
@@ -6907,14 +6614,14 @@
         </p:nvSpPr>
         <p:spPr>
           <a:xfrm>
-            <a:off x="0" y="1145219"/>
-            <a:ext cx="12192000" cy="5712781"/>
+            <a:off x="0" y="0"/>
+            <a:ext cx="12192000" cy="1145219"/>
           </a:xfrm>
           <a:prstGeom prst="rect">
             <a:avLst/>
           </a:prstGeom>
           <a:solidFill>
-            <a:srgbClr val="3CB8E8"/>
+            <a:srgbClr val="FF0078"/>
           </a:solidFill>
         </p:spPr>
         <p:style>
@@ -6944,55 +6651,6 @@
       </p:sp>
       <p:sp>
         <p:nvSpPr>
-          <p:cNvPr id="4" name="Прямоугольник 3">
-            <a:extLst>
-              <a:ext uri="{FF2B5EF4-FFF2-40B4-BE49-F238E27FC236}">
-                <a16:creationId xmlns:a16="http://schemas.microsoft.com/office/drawing/2014/main" id="{1B118346-5443-4068-BC83-058CEBC4AD70}"/>
-              </a:ext>
-            </a:extLst>
-          </p:cNvPr>
-          <p:cNvSpPr/>
-          <p:nvPr/>
-        </p:nvSpPr>
-        <p:spPr>
-          <a:xfrm>
-            <a:off x="0" y="0"/>
-            <a:ext cx="12192000" cy="1145219"/>
-          </a:xfrm>
-          <a:prstGeom prst="rect">
-            <a:avLst/>
-          </a:prstGeom>
-          <a:solidFill>
-            <a:srgbClr val="FF0078"/>
-          </a:solidFill>
-        </p:spPr>
-        <p:style>
-          <a:lnRef idx="2">
-            <a:schemeClr val="accent1">
-              <a:shade val="50000"/>
-            </a:schemeClr>
-          </a:lnRef>
-          <a:fillRef idx="1">
-            <a:schemeClr val="accent1"/>
-          </a:fillRef>
-          <a:effectRef idx="0">
-            <a:schemeClr val="accent1"/>
-          </a:effectRef>
-          <a:fontRef idx="minor">
-            <a:schemeClr val="lt1"/>
-          </a:fontRef>
-        </p:style>
-        <p:txBody>
-          <a:bodyPr rtlCol="0" anchor="ctr"/>
-          <a:lstStyle/>
-          <a:p>
-            <a:pPr algn="ctr"/>
-            <a:endParaRPr lang="ru-RU"/>
-          </a:p>
-        </p:txBody>
-      </p:sp>
-      <p:sp>
-        <p:nvSpPr>
           <p:cNvPr id="2" name="Заголовок 1">
             <a:extLst>
               <a:ext uri="{FF2B5EF4-FFF2-40B4-BE49-F238E27FC236}">
@@ -7026,28 +6684,77 @@
                 </a:solidFill>
                 <a:latin typeface="Bahnschrift" panose="020B0502040204020203" pitchFamily="34" charset="0"/>
               </a:rPr>
-              <a:t>База данных</a:t>
-            </a:r>
+              <a:t>Сложные моменты</a:t>
+            </a:r>
+          </a:p>
+        </p:txBody>
+      </p:sp>
+      <p:sp>
+        <p:nvSpPr>
+          <p:cNvPr id="5" name="Объект 4">
+            <a:extLst>
+              <a:ext uri="{FF2B5EF4-FFF2-40B4-BE49-F238E27FC236}">
+                <a16:creationId xmlns:a16="http://schemas.microsoft.com/office/drawing/2014/main" id="{5F5FD15D-E896-4027-901D-B68BC7C103EF}"/>
+              </a:ext>
+            </a:extLst>
+          </p:cNvPr>
+          <p:cNvSpPr>
+            <a:spLocks noGrp="1"/>
+          </p:cNvSpPr>
+          <p:nvPr>
+            <p:ph idx="1"/>
+          </p:nvPr>
+        </p:nvSpPr>
+        <p:spPr>
+          <a:xfrm>
+            <a:off x="838200" y="1681675"/>
+            <a:ext cx="10515600" cy="4351338"/>
+          </a:xfrm>
+        </p:spPr>
+        <p:txBody>
+          <a:bodyPr>
+            <a:normAutofit/>
+          </a:bodyPr>
+          <a:lstStyle/>
+          <a:p>
+            <a:pPr marL="0" indent="0">
+              <a:buNone/>
+            </a:pPr>
+            <a:r>
+              <a:rPr lang="ru-RU" sz="1800" dirty="0"/>
+              <a:t>Первым сложным моментом являлась работа с лайками, а именно – их хранение в </a:t>
+            </a:r>
+            <a:r>
+              <a:rPr lang="ru-RU" sz="1800" dirty="0" err="1"/>
+              <a:t>бд</a:t>
+            </a:r>
+            <a:r>
+              <a:rPr lang="ru-RU" sz="1800" dirty="0"/>
+              <a:t>, получение их количества и отображение лайков на странице пользователя</a:t>
+            </a:r>
+            <a:r>
+              <a:rPr lang="en-US" sz="1800" dirty="0"/>
+              <a:t>.</a:t>
+            </a:r>
+            <a:endParaRPr lang="ru-RU" sz="1800" dirty="0"/>
           </a:p>
         </p:txBody>
       </p:sp>
       <p:pic>
         <p:nvPicPr>
-          <p:cNvPr id="6" name="Объект 5">
-            <a:extLst>
-              <a:ext uri="{FF2B5EF4-FFF2-40B4-BE49-F238E27FC236}">
-                <a16:creationId xmlns:a16="http://schemas.microsoft.com/office/drawing/2014/main" id="{499306BA-521C-4156-B121-26C1BD96DEF6}"/>
+          <p:cNvPr id="26" name="Рисунок 25">
+            <a:extLst>
+              <a:ext uri="{FF2B5EF4-FFF2-40B4-BE49-F238E27FC236}">
+                <a16:creationId xmlns:a16="http://schemas.microsoft.com/office/drawing/2014/main" id="{0DDD0F7B-4099-4F91-B2CE-3068E4E9BF9E}"/>
               </a:ext>
             </a:extLst>
           </p:cNvPr>
           <p:cNvPicPr>
-            <a:picLocks noGrp="1" noChangeAspect="1"/>
+            <a:picLocks noChangeAspect="1"/>
           </p:cNvPicPr>
-          <p:nvPr>
-            <p:ph idx="1"/>
-          </p:nvPr>
+          <p:nvPr/>
         </p:nvPicPr>
-        <p:blipFill>
+        <p:blipFill rotWithShape="1">
           <a:blip r:embed="rId2">
             <a:extLst>
               <a:ext uri="{28A0092B-C50C-407E-A947-70E740481C1C}">
@@ -7055,23 +6762,25 @@
               </a:ext>
             </a:extLst>
           </a:blip>
-          <a:stretch>
-            <a:fillRect/>
-          </a:stretch>
+          <a:srcRect l="36699" t="94965" r="40801" b="1192"/>
+          <a:stretch/>
         </p:blipFill>
         <p:spPr>
           <a:xfrm>
-            <a:off x="573646" y="1291700"/>
-            <a:ext cx="4815100" cy="5250109"/>
-          </a:xfrm>
+            <a:off x="7809519" y="4575266"/>
+            <a:ext cx="3685435" cy="286247"/>
+          </a:xfrm>
+          <a:prstGeom prst="rect">
+            <a:avLst/>
+          </a:prstGeom>
         </p:spPr>
       </p:pic>
       <p:pic>
         <p:nvPicPr>
-          <p:cNvPr id="9" name="Рисунок 8">
-            <a:extLst>
-              <a:ext uri="{FF2B5EF4-FFF2-40B4-BE49-F238E27FC236}">
-                <a16:creationId xmlns:a16="http://schemas.microsoft.com/office/drawing/2014/main" id="{D37AAE98-72AA-4ED4-9E99-F2F9C6E2630F}"/>
+          <p:cNvPr id="28" name="Рисунок 27">
+            <a:extLst>
+              <a:ext uri="{FF2B5EF4-FFF2-40B4-BE49-F238E27FC236}">
+                <a16:creationId xmlns:a16="http://schemas.microsoft.com/office/drawing/2014/main" id="{55916830-53B8-4E7C-BD41-33E24E1B7F7B}"/>
               </a:ext>
             </a:extLst>
           </p:cNvPr>
@@ -7088,8 +6797,68 @@
         </p:blipFill>
         <p:spPr>
           <a:xfrm>
-            <a:off x="7870795" y="1553592"/>
-            <a:ext cx="3634663" cy="4447438"/>
+            <a:off x="1618034" y="5652551"/>
+            <a:ext cx="4324569" cy="916918"/>
+          </a:xfrm>
+          <a:prstGeom prst="rect">
+            <a:avLst/>
+          </a:prstGeom>
+        </p:spPr>
+      </p:pic>
+      <p:pic>
+        <p:nvPicPr>
+          <p:cNvPr id="10" name="Рисунок 9">
+            <a:extLst>
+              <a:ext uri="{FF2B5EF4-FFF2-40B4-BE49-F238E27FC236}">
+                <a16:creationId xmlns:a16="http://schemas.microsoft.com/office/drawing/2014/main" id="{74777E42-459A-4605-9672-614729971DB5}"/>
+              </a:ext>
+            </a:extLst>
+          </p:cNvPr>
+          <p:cNvPicPr>
+            <a:picLocks noChangeAspect="1"/>
+          </p:cNvPicPr>
+          <p:nvPr/>
+        </p:nvPicPr>
+        <p:blipFill>
+          <a:blip r:embed="rId4"/>
+          <a:stretch>
+            <a:fillRect/>
+          </a:stretch>
+        </p:blipFill>
+        <p:spPr>
+          <a:xfrm>
+            <a:off x="7718790" y="2523331"/>
+            <a:ext cx="3134162" cy="1438476"/>
+          </a:xfrm>
+          <a:prstGeom prst="rect">
+            <a:avLst/>
+          </a:prstGeom>
+        </p:spPr>
+      </p:pic>
+      <p:pic>
+        <p:nvPicPr>
+          <p:cNvPr id="12" name="Рисунок 11">
+            <a:extLst>
+              <a:ext uri="{FF2B5EF4-FFF2-40B4-BE49-F238E27FC236}">
+                <a16:creationId xmlns:a16="http://schemas.microsoft.com/office/drawing/2014/main" id="{A3FFC598-01F6-4E07-ACD2-B407C527B02C}"/>
+              </a:ext>
+            </a:extLst>
+          </p:cNvPr>
+          <p:cNvPicPr>
+            <a:picLocks noChangeAspect="1"/>
+          </p:cNvPicPr>
+          <p:nvPr/>
+        </p:nvPicPr>
+        <p:blipFill>
+          <a:blip r:embed="rId5"/>
+          <a:stretch>
+            <a:fillRect/>
+          </a:stretch>
+        </p:blipFill>
+        <p:spPr>
+          <a:xfrm>
+            <a:off x="991715" y="2230208"/>
+            <a:ext cx="6048277" cy="3254271"/>
           </a:xfrm>
           <a:prstGeom prst="rect">
             <a:avLst/>
@@ -7099,7 +6868,7 @@
     </p:spTree>
     <p:extLst>
       <p:ext uri="{BB962C8B-B14F-4D97-AF65-F5344CB8AC3E}">
-        <p14:creationId xmlns:p14="http://schemas.microsoft.com/office/powerpoint/2010/main" val="3269576829"/>
+        <p14:creationId xmlns:p14="http://schemas.microsoft.com/office/powerpoint/2010/main" val="3264544797"/>
       </p:ext>
     </p:extLst>
   </p:cSld>

--- a/VideoTime.pptx
+++ b/VideoTime.pptx
@@ -207,7 +207,7 @@
           <a:p>
             <a:fld id="{06D5414B-00DC-418B-BF67-CD595E6B0647}" type="datetimeFigureOut">
               <a:rPr lang="ru-RU" smtClean="0"/>
-              <a:t>13.07.2024</a:t>
+              <a:t>18.07.2024</a:t>
             </a:fld>
             <a:endParaRPr lang="ru-RU"/>
           </a:p>
@@ -873,7 +873,7 @@
           <a:p>
             <a:fld id="{EB5E5401-CD2B-44E6-8C52-03406AAB081F}" type="datetimeFigureOut">
               <a:rPr lang="ru-RU" smtClean="0"/>
-              <a:t>13.07.2024</a:t>
+              <a:t>18.07.2024</a:t>
             </a:fld>
             <a:endParaRPr lang="ru-RU"/>
           </a:p>
@@ -1071,7 +1071,7 @@
           <a:p>
             <a:fld id="{EB5E5401-CD2B-44E6-8C52-03406AAB081F}" type="datetimeFigureOut">
               <a:rPr lang="ru-RU" smtClean="0"/>
-              <a:t>13.07.2024</a:t>
+              <a:t>18.07.2024</a:t>
             </a:fld>
             <a:endParaRPr lang="ru-RU"/>
           </a:p>
@@ -1279,7 +1279,7 @@
           <a:p>
             <a:fld id="{EB5E5401-CD2B-44E6-8C52-03406AAB081F}" type="datetimeFigureOut">
               <a:rPr lang="ru-RU" smtClean="0"/>
-              <a:t>13.07.2024</a:t>
+              <a:t>18.07.2024</a:t>
             </a:fld>
             <a:endParaRPr lang="ru-RU"/>
           </a:p>
@@ -1477,7 +1477,7 @@
           <a:p>
             <a:fld id="{EB5E5401-CD2B-44E6-8C52-03406AAB081F}" type="datetimeFigureOut">
               <a:rPr lang="ru-RU" smtClean="0"/>
-              <a:t>13.07.2024</a:t>
+              <a:t>18.07.2024</a:t>
             </a:fld>
             <a:endParaRPr lang="ru-RU"/>
           </a:p>
@@ -1752,7 +1752,7 @@
           <a:p>
             <a:fld id="{EB5E5401-CD2B-44E6-8C52-03406AAB081F}" type="datetimeFigureOut">
               <a:rPr lang="ru-RU" smtClean="0"/>
-              <a:t>13.07.2024</a:t>
+              <a:t>18.07.2024</a:t>
             </a:fld>
             <a:endParaRPr lang="ru-RU"/>
           </a:p>
@@ -2017,7 +2017,7 @@
           <a:p>
             <a:fld id="{EB5E5401-CD2B-44E6-8C52-03406AAB081F}" type="datetimeFigureOut">
               <a:rPr lang="ru-RU" smtClean="0"/>
-              <a:t>13.07.2024</a:t>
+              <a:t>18.07.2024</a:t>
             </a:fld>
             <a:endParaRPr lang="ru-RU"/>
           </a:p>
@@ -2429,7 +2429,7 @@
           <a:p>
             <a:fld id="{EB5E5401-CD2B-44E6-8C52-03406AAB081F}" type="datetimeFigureOut">
               <a:rPr lang="ru-RU" smtClean="0"/>
-              <a:t>13.07.2024</a:t>
+              <a:t>18.07.2024</a:t>
             </a:fld>
             <a:endParaRPr lang="ru-RU"/>
           </a:p>
@@ -2570,7 +2570,7 @@
           <a:p>
             <a:fld id="{EB5E5401-CD2B-44E6-8C52-03406AAB081F}" type="datetimeFigureOut">
               <a:rPr lang="ru-RU" smtClean="0"/>
-              <a:t>13.07.2024</a:t>
+              <a:t>18.07.2024</a:t>
             </a:fld>
             <a:endParaRPr lang="ru-RU"/>
           </a:p>
@@ -2683,7 +2683,7 @@
           <a:p>
             <a:fld id="{EB5E5401-CD2B-44E6-8C52-03406AAB081F}" type="datetimeFigureOut">
               <a:rPr lang="ru-RU" smtClean="0"/>
-              <a:t>13.07.2024</a:t>
+              <a:t>18.07.2024</a:t>
             </a:fld>
             <a:endParaRPr lang="ru-RU"/>
           </a:p>
@@ -2994,7 +2994,7 @@
           <a:p>
             <a:fld id="{EB5E5401-CD2B-44E6-8C52-03406AAB081F}" type="datetimeFigureOut">
               <a:rPr lang="ru-RU" smtClean="0"/>
-              <a:t>13.07.2024</a:t>
+              <a:t>18.07.2024</a:t>
             </a:fld>
             <a:endParaRPr lang="ru-RU"/>
           </a:p>
@@ -3282,7 +3282,7 @@
           <a:p>
             <a:fld id="{EB5E5401-CD2B-44E6-8C52-03406AAB081F}" type="datetimeFigureOut">
               <a:rPr lang="ru-RU" smtClean="0"/>
-              <a:t>13.07.2024</a:t>
+              <a:t>18.07.2024</a:t>
             </a:fld>
             <a:endParaRPr lang="ru-RU"/>
           </a:p>
@@ -3523,7 +3523,7 @@
           <a:p>
             <a:fld id="{EB5E5401-CD2B-44E6-8C52-03406AAB081F}" type="datetimeFigureOut">
               <a:rPr lang="ru-RU" smtClean="0"/>
-              <a:t>13.07.2024</a:t>
+              <a:t>18.07.2024</a:t>
             </a:fld>
             <a:endParaRPr lang="ru-RU"/>
           </a:p>
@@ -4312,10 +4312,10 @@
       </p:sp>
       <p:pic>
         <p:nvPicPr>
-          <p:cNvPr id="7" name="Рисунок 6">
-            <a:extLst>
-              <a:ext uri="{FF2B5EF4-FFF2-40B4-BE49-F238E27FC236}">
-                <a16:creationId xmlns:a16="http://schemas.microsoft.com/office/drawing/2014/main" id="{276E9E88-609F-47C2-A8DD-B6D834E2306A}"/>
+          <p:cNvPr id="6" name="Рисунок 5">
+            <a:extLst>
+              <a:ext uri="{FF2B5EF4-FFF2-40B4-BE49-F238E27FC236}">
+                <a16:creationId xmlns:a16="http://schemas.microsoft.com/office/drawing/2014/main" id="{EAEA8B42-8A52-1AE7-6D5A-B3F1DBFAAB79}"/>
               </a:ext>
             </a:extLst>
           </p:cNvPr>
@@ -4332,8 +4332,8 @@
         </p:blipFill>
         <p:spPr>
           <a:xfrm>
-            <a:off x="2078483" y="2262083"/>
-            <a:ext cx="7734469" cy="3899020"/>
+            <a:off x="1609099" y="2242844"/>
+            <a:ext cx="8973802" cy="4201111"/>
           </a:xfrm>
           <a:prstGeom prst="rect">
             <a:avLst/>
